--- a/fig/shippable_v01.pptx
+++ b/fig/shippable_v01.pptx
@@ -2344,7 +2344,7 @@
           </a:p>
           <a:p>
             <a:r>
-              <a:rPr lang="en-US" dirty="0" smtClean="0"/>
+              <a:rPr lang="en-US" b="1" dirty="0" smtClean="0"/>
               <a:t>Frictionless</a:t>
             </a:r>
           </a:p>
@@ -2371,12 +2371,17 @@
               <a:rPr lang="en-US" dirty="0" smtClean="0"/>
               <a:t>On-premises</a:t>
             </a:r>
-            <a:endParaRPr lang="en-US" dirty="0" smtClean="0"/>
           </a:p>
           <a:p>
             <a:r>
               <a:rPr lang="en-US" dirty="0" smtClean="0"/>
               <a:t>Arbitrage</a:t>
+            </a:r>
+          </a:p>
+          <a:p>
+            <a:r>
+              <a:rPr lang="en-US" dirty="0" smtClean="0"/>
+              <a:t>No SSH</a:t>
             </a:r>
             <a:endParaRPr lang="en-US" dirty="0" smtClean="0"/>
           </a:p>
@@ -2435,10 +2440,16 @@
           <a:lstStyle/>
           <a:p>
             <a:r>
-              <a:rPr lang="en-US" dirty="0" smtClean="0"/>
+              <a:rPr lang="en-US" dirty="0" smtClean="0">
+                <a:latin typeface="Open Sans"/>
+                <a:cs typeface="Open Sans"/>
+              </a:rPr>
               <a:t>Frictionless pipeline</a:t>
             </a:r>
-            <a:endParaRPr lang="en-US" dirty="0"/>
+            <a:endParaRPr lang="en-US" dirty="0">
+              <a:latin typeface="Open Sans"/>
+              <a:cs typeface="Open Sans"/>
+            </a:endParaRPr>
           </a:p>
         </p:txBody>
       </p:sp>
@@ -2464,8 +2475,8 @@
         </p:blipFill>
         <p:spPr>
           <a:xfrm>
-            <a:off x="654288" y="98796"/>
-            <a:ext cx="8261112" cy="1247404"/>
+            <a:off x="1143526" y="166255"/>
+            <a:ext cx="7607720" cy="1148744"/>
           </a:xfrm>
           <a:prstGeom prst="rect">
             <a:avLst/>
@@ -2480,8 +2491,8 @@
         </p:nvSpPr>
         <p:spPr>
           <a:xfrm>
-            <a:off x="590143" y="1053546"/>
-            <a:ext cx="1518665" cy="338554"/>
+            <a:off x="759508" y="1053407"/>
+            <a:ext cx="2030123" cy="400110"/>
           </a:xfrm>
           <a:prstGeom prst="rect">
             <a:avLst/>
@@ -2498,15 +2509,21 @@
           <a:p>
             <a:pPr algn="ctr"/>
             <a:r>
-              <a:rPr lang="en-US" sz="1600" dirty="0" smtClean="0">
-                <a:latin typeface="Open Sans Light"/>
-                <a:cs typeface="Open Sans Light"/>
+              <a:rPr lang="en-US" sz="2000" b="1" u="sng" dirty="0" smtClean="0">
+                <a:solidFill>
+                  <a:srgbClr val="D25533"/>
+                </a:solidFill>
+                <a:latin typeface="Open Sans"/>
+                <a:cs typeface="Open Sans"/>
               </a:rPr>
               <a:t>source control</a:t>
             </a:r>
-            <a:endParaRPr lang="en-US" sz="1600" dirty="0">
-              <a:latin typeface="Open Sans Light"/>
-              <a:cs typeface="Open Sans Light"/>
+            <a:endParaRPr lang="en-US" sz="2000" b="1" u="sng" dirty="0">
+              <a:solidFill>
+                <a:srgbClr val="D25533"/>
+              </a:solidFill>
+              <a:latin typeface="Open Sans"/>
+              <a:cs typeface="Open Sans"/>
             </a:endParaRPr>
           </a:p>
         </p:txBody>
@@ -2519,8 +2536,8 @@
         </p:nvSpPr>
         <p:spPr>
           <a:xfrm>
-            <a:off x="4341153" y="1053546"/>
-            <a:ext cx="869148" cy="338554"/>
+            <a:off x="3655722" y="1053407"/>
+            <a:ext cx="2483973" cy="400110"/>
           </a:xfrm>
           <a:prstGeom prst="rect">
             <a:avLst/>
@@ -2537,15 +2554,21 @@
           <a:p>
             <a:pPr algn="ctr"/>
             <a:r>
-              <a:rPr lang="en-US" sz="1600" dirty="0" smtClean="0">
-                <a:latin typeface="Open Sans Light"/>
-                <a:cs typeface="Open Sans Light"/>
+              <a:rPr lang="en-US" sz="2000" b="1" u="sng" dirty="0" smtClean="0">
+                <a:solidFill>
+                  <a:srgbClr val="0078C9"/>
+                </a:solidFill>
+                <a:latin typeface="Open Sans"/>
+                <a:cs typeface="Open Sans"/>
               </a:rPr>
-              <a:t>registry</a:t>
-            </a:r>
-            <a:endParaRPr lang="en-US" sz="1600" dirty="0">
-              <a:latin typeface="Open Sans Light"/>
-              <a:cs typeface="Open Sans Light"/>
+              <a:t>container registry</a:t>
+            </a:r>
+            <a:endParaRPr lang="en-US" sz="2000" b="1" u="sng" dirty="0">
+              <a:solidFill>
+                <a:srgbClr val="0078C9"/>
+              </a:solidFill>
+              <a:latin typeface="Open Sans"/>
+              <a:cs typeface="Open Sans"/>
             </a:endParaRPr>
           </a:p>
         </p:txBody>
@@ -2558,8 +2581,8 @@
         </p:nvSpPr>
         <p:spPr>
           <a:xfrm>
-            <a:off x="7950118" y="1053546"/>
-            <a:ext cx="675686" cy="830997"/>
+            <a:off x="7375409" y="1628110"/>
+            <a:ext cx="915635" cy="369332"/>
           </a:xfrm>
           <a:prstGeom prst="rect">
             <a:avLst/>
@@ -2574,40 +2597,26 @@
           </a:bodyPr>
           <a:lstStyle/>
           <a:p>
-            <a:pPr algn="ctr"/>
-            <a:r>
-              <a:rPr lang="en-US" sz="1600" dirty="0" smtClean="0">
-                <a:latin typeface="Open Sans Light"/>
-                <a:cs typeface="Open Sans Light"/>
+            <a:pPr marL="285750" indent="-285750" algn="ctr">
+              <a:buFont typeface="Wingdings" charset="2"/>
+              <a:buChar char="q"/>
+            </a:pPr>
+            <a:r>
+              <a:rPr lang="en-US" sz="1800" dirty="0" smtClean="0">
+                <a:solidFill>
+                  <a:schemeClr val="accent3"/>
+                </a:solidFill>
+                <a:latin typeface="Open Sans"/>
+                <a:cs typeface="Open Sans"/>
               </a:rPr>
               <a:t>Test</a:t>
             </a:r>
-            <a:br>
-              <a:rPr lang="en-US" sz="1600" dirty="0" smtClean="0">
-                <a:latin typeface="Open Sans Light"/>
-                <a:cs typeface="Open Sans Light"/>
-              </a:rPr>
-            </a:br>
-            <a:r>
-              <a:rPr lang="en-US" sz="1600" dirty="0" smtClean="0">
-                <a:latin typeface="Open Sans Light"/>
-                <a:cs typeface="Open Sans Light"/>
-              </a:rPr>
-              <a:t>Beta</a:t>
-            </a:r>
-          </a:p>
-          <a:p>
-            <a:pPr algn="ctr"/>
-            <a:r>
-              <a:rPr lang="en-US" sz="1600" dirty="0" smtClean="0">
-                <a:latin typeface="Open Sans Light"/>
-                <a:cs typeface="Open Sans Light"/>
-              </a:rPr>
-              <a:t>Prod.</a:t>
-            </a:r>
-            <a:endParaRPr lang="en-US" sz="1600" dirty="0">
-              <a:latin typeface="Open Sans Light"/>
-              <a:cs typeface="Open Sans Light"/>
+            <a:endParaRPr lang="en-US" sz="1800" dirty="0">
+              <a:solidFill>
+                <a:schemeClr val="accent3"/>
+              </a:solidFill>
+              <a:latin typeface="Open Sans"/>
+              <a:cs typeface="Open Sans"/>
             </a:endParaRPr>
           </a:p>
         </p:txBody>
@@ -2620,8 +2629,8 @@
         </p:nvSpPr>
         <p:spPr>
           <a:xfrm>
-            <a:off x="6438053" y="3125151"/>
-            <a:ext cx="2176497" cy="338554"/>
+            <a:off x="7138309" y="3649075"/>
+            <a:ext cx="1633781" cy="338554"/>
           </a:xfrm>
           <a:prstGeom prst="rect">
             <a:avLst/>
@@ -2639,14 +2648,14 @@
             <a:pPr algn="r"/>
             <a:r>
               <a:rPr lang="en-US" sz="1600" dirty="0" smtClean="0">
-                <a:latin typeface="Open Sans Light"/>
-                <a:cs typeface="Open Sans Light"/>
+                <a:latin typeface="Open Sans"/>
+                <a:cs typeface="Open Sans"/>
               </a:rPr>
-              <a:t>Load balancing OOTB</a:t>
+              <a:t>load balancing</a:t>
             </a:r>
             <a:endParaRPr lang="en-US" sz="1600" dirty="0">
-              <a:latin typeface="Open Sans Light"/>
-              <a:cs typeface="Open Sans Light"/>
+              <a:latin typeface="Open Sans"/>
+              <a:cs typeface="Open Sans"/>
             </a:endParaRPr>
           </a:p>
         </p:txBody>
@@ -2659,8 +2668,8 @@
         </p:nvSpPr>
         <p:spPr>
           <a:xfrm>
-            <a:off x="7390437" y="3830619"/>
-            <a:ext cx="1224113" cy="338554"/>
+            <a:off x="4638006" y="3649075"/>
+            <a:ext cx="864339" cy="338554"/>
           </a:xfrm>
           <a:prstGeom prst="rect">
             <a:avLst/>
@@ -2677,15 +2686,15 @@
           <a:p>
             <a:pPr algn="r"/>
             <a:r>
-              <a:rPr lang="en-US" sz="1600" dirty="0" smtClean="0">
-                <a:latin typeface="Open Sans Light"/>
-                <a:cs typeface="Open Sans Light"/>
+              <a:rPr lang="en-US" sz="1600" dirty="0" err="1" smtClean="0">
+                <a:latin typeface="Open Sans"/>
+                <a:cs typeface="Open Sans"/>
               </a:rPr>
-              <a:t>Decoupling</a:t>
+              <a:t>Docker</a:t>
             </a:r>
             <a:endParaRPr lang="en-US" sz="1600" dirty="0">
-              <a:latin typeface="Open Sans Light"/>
-              <a:cs typeface="Open Sans Light"/>
+              <a:latin typeface="Open Sans"/>
+              <a:cs typeface="Open Sans"/>
             </a:endParaRPr>
           </a:p>
         </p:txBody>
@@ -2698,8 +2707,8 @@
         </p:nvSpPr>
         <p:spPr>
           <a:xfrm>
-            <a:off x="5827364" y="1869190"/>
-            <a:ext cx="1498928" cy="338554"/>
+            <a:off x="7080765" y="4129472"/>
+            <a:ext cx="1570362" cy="338554"/>
           </a:xfrm>
           <a:prstGeom prst="rect">
             <a:avLst/>
@@ -2717,28 +2726,35 @@
             <a:pPr algn="ctr"/>
             <a:r>
               <a:rPr lang="en-US" sz="1600" dirty="0" smtClean="0">
-                <a:latin typeface="Open Sans Light"/>
-                <a:cs typeface="Open Sans Light"/>
+                <a:latin typeface="Open Sans"/>
+                <a:cs typeface="Open Sans"/>
               </a:rPr>
-              <a:t>Multi-platform</a:t>
+              <a:t>multi</a:t>
+            </a:r>
+            <a:r>
+              <a:rPr lang="en-US" sz="1600" dirty="0" smtClean="0">
+                <a:latin typeface="Open Sans"/>
+                <a:cs typeface="Open Sans"/>
+              </a:rPr>
+              <a:t>-platform</a:t>
             </a:r>
             <a:endParaRPr lang="en-US" sz="1600" dirty="0">
-              <a:latin typeface="Open Sans Light"/>
-              <a:cs typeface="Open Sans Light"/>
+              <a:latin typeface="Open Sans"/>
+              <a:cs typeface="Open Sans"/>
             </a:endParaRPr>
           </a:p>
         </p:txBody>
       </p:sp>
       <p:sp>
         <p:nvSpPr>
-          <p:cNvPr id="14" name="TextBox 13"/>
+          <p:cNvPr id="17" name="TextBox 16"/>
           <p:cNvSpPr txBox="1"/>
           <p:nvPr/>
         </p:nvSpPr>
         <p:spPr>
           <a:xfrm>
-            <a:off x="7737186" y="2544910"/>
-            <a:ext cx="877364" cy="338554"/>
+            <a:off x="1073047" y="4071868"/>
+            <a:ext cx="1313180" cy="338554"/>
           </a:xfrm>
           <a:prstGeom prst="rect">
             <a:avLst/>
@@ -2753,31 +2769,31 @@
           </a:bodyPr>
           <a:lstStyle/>
           <a:p>
-            <a:pPr algn="r"/>
+            <a:pPr algn="ctr"/>
             <a:r>
               <a:rPr lang="en-US" sz="1600" dirty="0" smtClean="0">
-                <a:latin typeface="Open Sans Light"/>
-                <a:cs typeface="Open Sans Light"/>
+                <a:latin typeface="Open Sans"/>
+                <a:cs typeface="Open Sans"/>
               </a:rPr>
-              <a:t>No SSH</a:t>
+              <a:t>idempotent</a:t>
             </a:r>
             <a:endParaRPr lang="en-US" sz="1600" dirty="0">
-              <a:latin typeface="Open Sans Light"/>
-              <a:cs typeface="Open Sans Light"/>
+              <a:latin typeface="Open Sans"/>
+              <a:cs typeface="Open Sans"/>
             </a:endParaRPr>
           </a:p>
         </p:txBody>
       </p:sp>
       <p:sp>
         <p:nvSpPr>
-          <p:cNvPr id="17" name="TextBox 16"/>
+          <p:cNvPr id="18" name="TextBox 17"/>
           <p:cNvSpPr txBox="1"/>
           <p:nvPr/>
         </p:nvSpPr>
         <p:spPr>
           <a:xfrm>
-            <a:off x="1477869" y="1869190"/>
-            <a:ext cx="1261884" cy="338554"/>
+            <a:off x="1000727" y="3651373"/>
+            <a:ext cx="1652616" cy="338554"/>
           </a:xfrm>
           <a:prstGeom prst="rect">
             <a:avLst/>
@@ -2795,28 +2811,35 @@
             <a:pPr algn="ctr"/>
             <a:r>
               <a:rPr lang="en-US" sz="1600" dirty="0" smtClean="0">
-                <a:latin typeface="Open Sans Light"/>
-                <a:cs typeface="Open Sans Light"/>
+                <a:latin typeface="Open Sans"/>
+                <a:cs typeface="Open Sans"/>
               </a:rPr>
-              <a:t>Idempotent</a:t>
+              <a:t>declarative </a:t>
+            </a:r>
+            <a:r>
+              <a:rPr lang="en-US" sz="1600" dirty="0" smtClean="0">
+                <a:latin typeface="Open Sans"/>
+                <a:cs typeface="Open Sans"/>
+              </a:rPr>
+              <a:t>yml</a:t>
             </a:r>
             <a:endParaRPr lang="en-US" sz="1600" dirty="0">
-              <a:latin typeface="Open Sans Light"/>
-              <a:cs typeface="Open Sans Light"/>
+              <a:latin typeface="Open Sans"/>
+              <a:cs typeface="Open Sans"/>
             </a:endParaRPr>
           </a:p>
         </p:txBody>
       </p:sp>
       <p:sp>
         <p:nvSpPr>
-          <p:cNvPr id="18" name="TextBox 17"/>
+          <p:cNvPr id="24" name="TextBox 23"/>
           <p:cNvSpPr txBox="1"/>
           <p:nvPr/>
         </p:nvSpPr>
         <p:spPr>
           <a:xfrm>
-            <a:off x="3962800" y="1869190"/>
-            <a:ext cx="1580180" cy="338554"/>
+            <a:off x="7593125" y="4579914"/>
+            <a:ext cx="1058002" cy="338554"/>
           </a:xfrm>
           <a:prstGeom prst="rect">
             <a:avLst/>
@@ -2834,28 +2857,465 @@
             <a:pPr algn="ctr"/>
             <a:r>
               <a:rPr lang="en-US" sz="1600" dirty="0" smtClean="0">
-                <a:latin typeface="Open Sans Light"/>
-                <a:cs typeface="Open Sans Light"/>
+                <a:latin typeface="Open Sans"/>
+                <a:cs typeface="Open Sans"/>
               </a:rPr>
-              <a:t>Declarative yml</a:t>
+              <a:t>arbitrage</a:t>
             </a:r>
             <a:endParaRPr lang="en-US" sz="1600" dirty="0">
-              <a:latin typeface="Open Sans Light"/>
-              <a:cs typeface="Open Sans Light"/>
+              <a:latin typeface="Open Sans"/>
+              <a:cs typeface="Open Sans"/>
             </a:endParaRPr>
           </a:p>
         </p:txBody>
       </p:sp>
       <p:sp>
         <p:nvSpPr>
-          <p:cNvPr id="24" name="TextBox 23"/>
+          <p:cNvPr id="15" name="TextBox 14">
+            <a:hlinkClick r:id="rId3"/>
+          </p:cNvPr>
           <p:cNvSpPr txBox="1"/>
           <p:nvPr/>
         </p:nvSpPr>
         <p:spPr>
           <a:xfrm>
-            <a:off x="6627561" y="1308180"/>
-            <a:ext cx="1018929" cy="338554"/>
+            <a:off x="1000727" y="1628110"/>
+            <a:ext cx="1475250" cy="369332"/>
+          </a:xfrm>
+          <a:prstGeom prst="rect">
+            <a:avLst/>
+          </a:prstGeom>
+          <a:solidFill>
+            <a:schemeClr val="bg1"/>
+          </a:solidFill>
+        </p:spPr>
+        <p:txBody>
+          <a:bodyPr wrap="square" rtlCol="0">
+            <a:spAutoFit/>
+          </a:bodyPr>
+          <a:lstStyle/>
+          <a:p>
+            <a:pPr marL="285750" indent="-285750">
+              <a:buFont typeface="Wingdings" charset="2"/>
+              <a:buChar char="q"/>
+            </a:pPr>
+            <a:r>
+              <a:rPr lang="en-US" sz="1800" dirty="0" smtClean="0">
+                <a:solidFill>
+                  <a:schemeClr val="accent5"/>
+                </a:solidFill>
+                <a:latin typeface="Open Sans"/>
+                <a:cs typeface="Open Sans"/>
+              </a:rPr>
+              <a:t>GitHub</a:t>
+            </a:r>
+            <a:endParaRPr lang="en-US" sz="1800" dirty="0">
+              <a:solidFill>
+                <a:schemeClr val="accent5"/>
+              </a:solidFill>
+              <a:latin typeface="Open Sans"/>
+              <a:cs typeface="Open Sans"/>
+            </a:endParaRPr>
+          </a:p>
+        </p:txBody>
+      </p:sp>
+      <p:sp>
+        <p:nvSpPr>
+          <p:cNvPr id="16" name="TextBox 15">
+            <a:hlinkClick r:id="rId3"/>
+          </p:cNvPr>
+          <p:cNvSpPr txBox="1"/>
+          <p:nvPr/>
+        </p:nvSpPr>
+        <p:spPr>
+          <a:xfrm>
+            <a:off x="1000727" y="2252174"/>
+            <a:ext cx="1488135" cy="369332"/>
+          </a:xfrm>
+          <a:prstGeom prst="rect">
+            <a:avLst/>
+          </a:prstGeom>
+          <a:solidFill>
+            <a:schemeClr val="bg1"/>
+          </a:solidFill>
+        </p:spPr>
+        <p:txBody>
+          <a:bodyPr wrap="square" rtlCol="0">
+            <a:spAutoFit/>
+          </a:bodyPr>
+          <a:lstStyle/>
+          <a:p>
+            <a:pPr marL="285750" indent="-285750">
+              <a:buFont typeface="Wingdings" charset="2"/>
+              <a:buChar char="q"/>
+            </a:pPr>
+            <a:r>
+              <a:rPr lang="en-US" sz="1800" dirty="0" smtClean="0">
+                <a:solidFill>
+                  <a:schemeClr val="accent5"/>
+                </a:solidFill>
+                <a:latin typeface="Open Sans"/>
+                <a:cs typeface="Open Sans"/>
+              </a:rPr>
+              <a:t>GitLab</a:t>
+            </a:r>
+            <a:endParaRPr lang="en-US" sz="1800" dirty="0">
+              <a:solidFill>
+                <a:schemeClr val="accent5"/>
+              </a:solidFill>
+              <a:latin typeface="Open Sans"/>
+              <a:cs typeface="Open Sans"/>
+            </a:endParaRPr>
+          </a:p>
+        </p:txBody>
+      </p:sp>
+      <p:sp>
+        <p:nvSpPr>
+          <p:cNvPr id="19" name="TextBox 18">
+            <a:hlinkClick r:id="rId4"/>
+          </p:cNvPr>
+          <p:cNvSpPr txBox="1"/>
+          <p:nvPr/>
+        </p:nvSpPr>
+        <p:spPr>
+          <a:xfrm>
+            <a:off x="1000727" y="2876237"/>
+            <a:ext cx="1788904" cy="369332"/>
+          </a:xfrm>
+          <a:prstGeom prst="rect">
+            <a:avLst/>
+          </a:prstGeom>
+          <a:solidFill>
+            <a:schemeClr val="bg1"/>
+          </a:solidFill>
+        </p:spPr>
+        <p:txBody>
+          <a:bodyPr wrap="square" rtlCol="0">
+            <a:spAutoFit/>
+          </a:bodyPr>
+          <a:lstStyle/>
+          <a:p>
+            <a:pPr marL="285750" indent="-285750">
+              <a:buFont typeface="Wingdings" charset="2"/>
+              <a:buChar char="q"/>
+            </a:pPr>
+            <a:r>
+              <a:rPr lang="en-US" sz="1800" dirty="0" smtClean="0">
+                <a:solidFill>
+                  <a:schemeClr val="accent5"/>
+                </a:solidFill>
+                <a:latin typeface="Open Sans"/>
+                <a:cs typeface="Open Sans"/>
+              </a:rPr>
+              <a:t>Bitbucket</a:t>
+            </a:r>
+            <a:endParaRPr lang="en-US" sz="1800" dirty="0">
+              <a:solidFill>
+                <a:schemeClr val="accent5"/>
+              </a:solidFill>
+              <a:latin typeface="Open Sans"/>
+              <a:cs typeface="Open Sans"/>
+            </a:endParaRPr>
+          </a:p>
+        </p:txBody>
+      </p:sp>
+      <p:sp>
+        <p:nvSpPr>
+          <p:cNvPr id="20" name="TextBox 19">
+            <a:hlinkClick r:id="rId5"/>
+          </p:cNvPr>
+          <p:cNvSpPr txBox="1"/>
+          <p:nvPr/>
+        </p:nvSpPr>
+        <p:spPr>
+          <a:xfrm>
+            <a:off x="3677129" y="1628110"/>
+            <a:ext cx="2968382" cy="646331"/>
+          </a:xfrm>
+          <a:prstGeom prst="rect">
+            <a:avLst/>
+          </a:prstGeom>
+          <a:solidFill>
+            <a:schemeClr val="bg1"/>
+          </a:solidFill>
+        </p:spPr>
+        <p:txBody>
+          <a:bodyPr wrap="square" rtlCol="0">
+            <a:spAutoFit/>
+          </a:bodyPr>
+          <a:lstStyle/>
+          <a:p>
+            <a:pPr marL="285750" indent="-285750">
+              <a:buFont typeface="Wingdings" charset="2"/>
+              <a:buChar char="q"/>
+            </a:pPr>
+            <a:r>
+              <a:rPr lang="en-US" sz="1800" b="1" dirty="0" smtClean="0">
+                <a:solidFill>
+                  <a:srgbClr val="0078C9"/>
+                </a:solidFill>
+                <a:latin typeface="Open Sans"/>
+                <a:cs typeface="Open Sans"/>
+              </a:rPr>
+              <a:t>AWS</a:t>
+            </a:r>
+            <a:r>
+              <a:rPr lang="en-US" sz="1800" dirty="0" smtClean="0">
+                <a:solidFill>
+                  <a:srgbClr val="0078C9"/>
+                </a:solidFill>
+                <a:latin typeface="Open Sans"/>
+                <a:cs typeface="Open Sans"/>
+              </a:rPr>
+              <a:t> ECR (EC2 </a:t>
+            </a:r>
+            <a:r>
+              <a:rPr lang="en-US" sz="1800" dirty="0" smtClean="0">
+                <a:solidFill>
+                  <a:srgbClr val="0078C9"/>
+                </a:solidFill>
+                <a:latin typeface="Open Sans"/>
+                <a:cs typeface="Open Sans"/>
+              </a:rPr>
+              <a:t/>
+            </a:r>
+            <a:br>
+              <a:rPr lang="en-US" sz="1800" dirty="0" smtClean="0">
+                <a:solidFill>
+                  <a:srgbClr val="0078C9"/>
+                </a:solidFill>
+                <a:latin typeface="Open Sans"/>
+                <a:cs typeface="Open Sans"/>
+              </a:rPr>
+            </a:br>
+            <a:r>
+              <a:rPr lang="en-US" sz="1800" dirty="0" smtClean="0">
+                <a:solidFill>
+                  <a:srgbClr val="0078C9"/>
+                </a:solidFill>
+                <a:latin typeface="Open Sans"/>
+                <a:cs typeface="Open Sans"/>
+              </a:rPr>
+              <a:t>Container Registry)</a:t>
+            </a:r>
+            <a:endParaRPr lang="en-US" sz="1800" dirty="0">
+              <a:solidFill>
+                <a:srgbClr val="0078C9"/>
+              </a:solidFill>
+              <a:latin typeface="Open Sans"/>
+              <a:cs typeface="Open Sans"/>
+            </a:endParaRPr>
+          </a:p>
+        </p:txBody>
+      </p:sp>
+      <p:sp>
+        <p:nvSpPr>
+          <p:cNvPr id="21" name="TextBox 20">
+            <a:hlinkClick r:id="rId6"/>
+          </p:cNvPr>
+          <p:cNvSpPr txBox="1"/>
+          <p:nvPr/>
+        </p:nvSpPr>
+        <p:spPr>
+          <a:xfrm>
+            <a:off x="3677129" y="2252174"/>
+            <a:ext cx="3147711" cy="646331"/>
+          </a:xfrm>
+          <a:prstGeom prst="rect">
+            <a:avLst/>
+          </a:prstGeom>
+          <a:solidFill>
+            <a:schemeClr val="bg1"/>
+          </a:solidFill>
+        </p:spPr>
+        <p:txBody>
+          <a:bodyPr wrap="square" rtlCol="0">
+            <a:spAutoFit/>
+          </a:bodyPr>
+          <a:lstStyle/>
+          <a:p>
+            <a:pPr marL="285750" indent="-285750">
+              <a:buFont typeface="Wingdings" charset="2"/>
+              <a:buChar char="q"/>
+            </a:pPr>
+            <a:r>
+              <a:rPr lang="en-US" sz="1800" b="1" dirty="0" smtClean="0">
+                <a:solidFill>
+                  <a:srgbClr val="0078C9"/>
+                </a:solidFill>
+                <a:latin typeface="Open Sans"/>
+                <a:cs typeface="Open Sans"/>
+              </a:rPr>
+              <a:t>Google</a:t>
+            </a:r>
+            <a:r>
+              <a:rPr lang="en-US" sz="1800" dirty="0" smtClean="0">
+                <a:solidFill>
+                  <a:srgbClr val="0078C9"/>
+                </a:solidFill>
+                <a:latin typeface="Open Sans"/>
+                <a:cs typeface="Open Sans"/>
+              </a:rPr>
+              <a:t> </a:t>
+            </a:r>
+            <a:r>
+              <a:rPr lang="en-US" sz="1800" dirty="0" smtClean="0">
+                <a:solidFill>
+                  <a:srgbClr val="0078C9"/>
+                </a:solidFill>
+                <a:latin typeface="Open Sans"/>
+                <a:cs typeface="Open Sans"/>
+              </a:rPr>
+              <a:t/>
+            </a:r>
+            <a:br>
+              <a:rPr lang="en-US" sz="1800" dirty="0" smtClean="0">
+                <a:solidFill>
+                  <a:srgbClr val="0078C9"/>
+                </a:solidFill>
+                <a:latin typeface="Open Sans"/>
+                <a:cs typeface="Open Sans"/>
+              </a:rPr>
+            </a:br>
+            <a:r>
+              <a:rPr lang="en-US" sz="1800" dirty="0" smtClean="0">
+                <a:solidFill>
+                  <a:srgbClr val="0078C9"/>
+                </a:solidFill>
+                <a:latin typeface="Open Sans"/>
+                <a:cs typeface="Open Sans"/>
+              </a:rPr>
+              <a:t>Container </a:t>
+            </a:r>
+            <a:r>
+              <a:rPr lang="en-US" sz="1800" dirty="0" smtClean="0">
+                <a:solidFill>
+                  <a:srgbClr val="0078C9"/>
+                </a:solidFill>
+                <a:latin typeface="Open Sans"/>
+                <a:cs typeface="Open Sans"/>
+              </a:rPr>
+              <a:t>Registry</a:t>
+            </a:r>
+            <a:endParaRPr lang="en-US" sz="1800" dirty="0">
+              <a:solidFill>
+                <a:srgbClr val="0078C9"/>
+              </a:solidFill>
+              <a:latin typeface="Open Sans"/>
+              <a:cs typeface="Open Sans"/>
+            </a:endParaRPr>
+          </a:p>
+        </p:txBody>
+      </p:sp>
+      <p:sp>
+        <p:nvSpPr>
+          <p:cNvPr id="22" name="TextBox 21">
+            <a:hlinkClick r:id="rId4"/>
+          </p:cNvPr>
+          <p:cNvSpPr txBox="1"/>
+          <p:nvPr/>
+        </p:nvSpPr>
+        <p:spPr>
+          <a:xfrm>
+            <a:off x="3677129" y="2876237"/>
+            <a:ext cx="3160540" cy="646331"/>
+          </a:xfrm>
+          <a:prstGeom prst="rect">
+            <a:avLst/>
+          </a:prstGeom>
+          <a:solidFill>
+            <a:schemeClr val="bg1"/>
+          </a:solidFill>
+        </p:spPr>
+        <p:txBody>
+          <a:bodyPr wrap="square" rtlCol="0">
+            <a:spAutoFit/>
+          </a:bodyPr>
+          <a:lstStyle/>
+          <a:p>
+            <a:pPr marL="285750" indent="-285750">
+              <a:buFont typeface="Wingdings" charset="2"/>
+              <a:buChar char="q"/>
+            </a:pPr>
+            <a:r>
+              <a:rPr lang="en-US" sz="1800" b="1" dirty="0" smtClean="0">
+                <a:solidFill>
+                  <a:srgbClr val="0078C9"/>
+                </a:solidFill>
+                <a:latin typeface="Open Sans"/>
+                <a:cs typeface="Open Sans"/>
+              </a:rPr>
+              <a:t>Azure</a:t>
+            </a:r>
+            <a:r>
+              <a:rPr lang="en-US" sz="1800" dirty="0" smtClean="0">
+                <a:solidFill>
+                  <a:srgbClr val="0078C9"/>
+                </a:solidFill>
+                <a:latin typeface="Open Sans"/>
+                <a:cs typeface="Open Sans"/>
+              </a:rPr>
+              <a:t> </a:t>
+            </a:r>
+            <a:r>
+              <a:rPr lang="en-US" sz="1800" dirty="0" smtClean="0">
+                <a:solidFill>
+                  <a:srgbClr val="0078C9"/>
+                </a:solidFill>
+                <a:latin typeface="Open Sans"/>
+                <a:cs typeface="Open Sans"/>
+              </a:rPr>
+              <a:t/>
+            </a:r>
+            <a:br>
+              <a:rPr lang="en-US" sz="1800" dirty="0" smtClean="0">
+                <a:solidFill>
+                  <a:srgbClr val="0078C9"/>
+                </a:solidFill>
+                <a:latin typeface="Open Sans"/>
+                <a:cs typeface="Open Sans"/>
+              </a:rPr>
+            </a:br>
+            <a:r>
+              <a:rPr lang="en-US" sz="1800" dirty="0" smtClean="0">
+                <a:solidFill>
+                  <a:srgbClr val="0078C9"/>
+                </a:solidFill>
+                <a:latin typeface="Open Sans"/>
+                <a:cs typeface="Open Sans"/>
+              </a:rPr>
+              <a:t>Container </a:t>
+            </a:r>
+            <a:r>
+              <a:rPr lang="en-US" sz="1800" dirty="0" smtClean="0">
+                <a:solidFill>
+                  <a:srgbClr val="0078C9"/>
+                </a:solidFill>
+                <a:latin typeface="Open Sans"/>
+                <a:cs typeface="Open Sans"/>
+              </a:rPr>
+              <a:t>Registry</a:t>
+            </a:r>
+            <a:endParaRPr lang="en-US" sz="1800" dirty="0">
+              <a:solidFill>
+                <a:srgbClr val="0078C9"/>
+              </a:solidFill>
+              <a:latin typeface="Open Sans"/>
+              <a:cs typeface="Open Sans"/>
+            </a:endParaRPr>
+          </a:p>
+        </p:txBody>
+      </p:sp>
+      <p:sp>
+        <p:nvSpPr>
+          <p:cNvPr id="23" name="TextBox 22"/>
+          <p:cNvSpPr txBox="1"/>
+          <p:nvPr/>
+        </p:nvSpPr>
+        <p:spPr>
+          <a:xfrm>
+            <a:off x="7038060" y="1053407"/>
+            <a:ext cx="1983536" cy="400110"/>
           </a:xfrm>
           <a:prstGeom prst="rect">
             <a:avLst/>
@@ -2872,15 +3332,127 @@
           <a:p>
             <a:pPr algn="ctr"/>
             <a:r>
-              <a:rPr lang="en-US" sz="1600" dirty="0" smtClean="0">
-                <a:latin typeface="Open Sans Light"/>
-                <a:cs typeface="Open Sans Light"/>
+              <a:rPr lang="en-US" sz="2000" b="1" u="sng" dirty="0" smtClean="0">
+                <a:solidFill>
+                  <a:schemeClr val="accent3"/>
+                </a:solidFill>
+                <a:latin typeface="Open Sans"/>
+                <a:cs typeface="Open Sans"/>
               </a:rPr>
-              <a:t>arbitrage</a:t>
-            </a:r>
-            <a:endParaRPr lang="en-US" sz="1600" dirty="0">
-              <a:latin typeface="Open Sans Light"/>
-              <a:cs typeface="Open Sans Light"/>
+              <a:t>environments</a:t>
+            </a:r>
+            <a:endParaRPr lang="en-US" sz="2000" b="1" u="sng" dirty="0" smtClean="0">
+              <a:solidFill>
+                <a:schemeClr val="accent3"/>
+              </a:solidFill>
+              <a:latin typeface="Open Sans"/>
+              <a:cs typeface="Open Sans"/>
+            </a:endParaRPr>
+          </a:p>
+        </p:txBody>
+      </p:sp>
+      <p:sp>
+        <p:nvSpPr>
+          <p:cNvPr id="25" name="TextBox 24"/>
+          <p:cNvSpPr txBox="1"/>
+          <p:nvPr/>
+        </p:nvSpPr>
+        <p:spPr>
+          <a:xfrm>
+            <a:off x="7356173" y="2876237"/>
+            <a:ext cx="1043876" cy="369332"/>
+          </a:xfrm>
+          <a:prstGeom prst="rect">
+            <a:avLst/>
+          </a:prstGeom>
+          <a:solidFill>
+            <a:schemeClr val="bg1"/>
+          </a:solidFill>
+        </p:spPr>
+        <p:txBody>
+          <a:bodyPr wrap="none" rtlCol="0">
+            <a:spAutoFit/>
+          </a:bodyPr>
+          <a:lstStyle/>
+          <a:p>
+            <a:pPr marL="285750" indent="-285750" algn="ctr">
+              <a:buFont typeface="Wingdings" charset="2"/>
+              <a:buChar char="q"/>
+            </a:pPr>
+            <a:r>
+              <a:rPr lang="en-US" sz="1800" dirty="0" smtClean="0">
+                <a:solidFill>
+                  <a:schemeClr val="accent3"/>
+                </a:solidFill>
+                <a:latin typeface="Open Sans"/>
+                <a:cs typeface="Open Sans"/>
+              </a:rPr>
+              <a:t>Prod</a:t>
+            </a:r>
+            <a:r>
+              <a:rPr lang="en-US" sz="1800" dirty="0" smtClean="0">
+                <a:solidFill>
+                  <a:schemeClr val="accent3"/>
+                </a:solidFill>
+                <a:latin typeface="Open Sans"/>
+                <a:cs typeface="Open Sans"/>
+              </a:rPr>
+              <a:t>.</a:t>
+            </a:r>
+            <a:endParaRPr lang="en-US" sz="1800" dirty="0">
+              <a:solidFill>
+                <a:schemeClr val="accent3"/>
+              </a:solidFill>
+              <a:latin typeface="Open Sans"/>
+              <a:cs typeface="Open Sans"/>
+            </a:endParaRPr>
+          </a:p>
+        </p:txBody>
+      </p:sp>
+      <p:sp>
+        <p:nvSpPr>
+          <p:cNvPr id="26" name="TextBox 25"/>
+          <p:cNvSpPr txBox="1"/>
+          <p:nvPr/>
+        </p:nvSpPr>
+        <p:spPr>
+          <a:xfrm>
+            <a:off x="7362585" y="2252174"/>
+            <a:ext cx="954107" cy="369332"/>
+          </a:xfrm>
+          <a:prstGeom prst="rect">
+            <a:avLst/>
+          </a:prstGeom>
+          <a:solidFill>
+            <a:schemeClr val="bg1"/>
+          </a:solidFill>
+        </p:spPr>
+        <p:txBody>
+          <a:bodyPr wrap="none" rtlCol="0">
+            <a:spAutoFit/>
+          </a:bodyPr>
+          <a:lstStyle/>
+          <a:p>
+            <a:pPr marL="285750" indent="-285750" algn="ctr">
+              <a:buFont typeface="Wingdings" charset="2"/>
+              <a:buChar char="q"/>
+            </a:pPr>
+            <a:r>
+              <a:rPr lang="en-US" sz="1800" dirty="0" smtClean="0">
+                <a:solidFill>
+                  <a:schemeClr val="accent3"/>
+                </a:solidFill>
+                <a:latin typeface="Open Sans"/>
+                <a:cs typeface="Open Sans"/>
+              </a:rPr>
+              <a:t>Beta</a:t>
+            </a:r>
+            <a:endParaRPr lang="en-US" sz="1800" dirty="0" smtClean="0">
+              <a:solidFill>
+                <a:schemeClr val="accent3"/>
+              </a:solidFill>
+              <a:latin typeface="Open Sans"/>
+              <a:cs typeface="Open Sans"/>
             </a:endParaRPr>
           </a:p>
         </p:txBody>
@@ -2898,9 +3470,340 @@
   <p:timing>
     <p:tnLst>
       <p:par>
-        <p:cTn xmlns:p14="http://schemas.microsoft.com/office/powerpoint/2010/main" id="1" dur="indefinite" restart="never" nodeType="tmRoot"/>
+        <p:cTn xmlns:p14="http://schemas.microsoft.com/office/powerpoint/2010/main" id="1" dur="indefinite" restart="never" nodeType="tmRoot">
+          <p:childTnLst>
+            <p:seq concurrent="1" nextAc="seek">
+              <p:cTn id="2" dur="indefinite" nodeType="mainSeq">
+                <p:childTnLst>
+                  <p:par>
+                    <p:cTn id="3" fill="hold">
+                      <p:stCondLst>
+                        <p:cond delay="indefinite"/>
+                      </p:stCondLst>
+                      <p:childTnLst>
+                        <p:par>
+                          <p:cTn id="4" fill="hold">
+                            <p:stCondLst>
+                              <p:cond delay="0"/>
+                            </p:stCondLst>
+                            <p:childTnLst>
+                              <p:par>
+                                <p:cTn id="5" presetID="1" presetClass="entr" presetSubtype="0" fill="hold" grpId="0" nodeType="clickEffect">
+                                  <p:stCondLst>
+                                    <p:cond delay="0"/>
+                                  </p:stCondLst>
+                                  <p:childTnLst>
+                                    <p:set>
+                                      <p:cBhvr>
+                                        <p:cTn id="6" dur="1" fill="hold">
+                                          <p:stCondLst>
+                                            <p:cond delay="0"/>
+                                          </p:stCondLst>
+                                        </p:cTn>
+                                        <p:tgtEl>
+                                          <p:spTgt spid="15"/>
+                                        </p:tgtEl>
+                                        <p:attrNameLst>
+                                          <p:attrName>style.visibility</p:attrName>
+                                        </p:attrNameLst>
+                                      </p:cBhvr>
+                                      <p:to>
+                                        <p:strVal val="visible"/>
+                                      </p:to>
+                                    </p:set>
+                                  </p:childTnLst>
+                                </p:cTn>
+                              </p:par>
+                              <p:par>
+                                <p:cTn id="7" presetID="1" presetClass="entr" presetSubtype="0" fill="hold" grpId="0" nodeType="withEffect">
+                                  <p:stCondLst>
+                                    <p:cond delay="0"/>
+                                  </p:stCondLst>
+                                  <p:childTnLst>
+                                    <p:set>
+                                      <p:cBhvr>
+                                        <p:cTn id="8" dur="1" fill="hold">
+                                          <p:stCondLst>
+                                            <p:cond delay="0"/>
+                                          </p:stCondLst>
+                                        </p:cTn>
+                                        <p:tgtEl>
+                                          <p:spTgt spid="16"/>
+                                        </p:tgtEl>
+                                        <p:attrNameLst>
+                                          <p:attrName>style.visibility</p:attrName>
+                                        </p:attrNameLst>
+                                      </p:cBhvr>
+                                      <p:to>
+                                        <p:strVal val="visible"/>
+                                      </p:to>
+                                    </p:set>
+                                  </p:childTnLst>
+                                </p:cTn>
+                              </p:par>
+                              <p:par>
+                                <p:cTn id="9" presetID="1" presetClass="entr" presetSubtype="0" fill="hold" grpId="0" nodeType="withEffect">
+                                  <p:stCondLst>
+                                    <p:cond delay="0"/>
+                                  </p:stCondLst>
+                                  <p:childTnLst>
+                                    <p:set>
+                                      <p:cBhvr>
+                                        <p:cTn id="10" dur="1" fill="hold">
+                                          <p:stCondLst>
+                                            <p:cond delay="0"/>
+                                          </p:stCondLst>
+                                        </p:cTn>
+                                        <p:tgtEl>
+                                          <p:spTgt spid="19"/>
+                                        </p:tgtEl>
+                                        <p:attrNameLst>
+                                          <p:attrName>style.visibility</p:attrName>
+                                        </p:attrNameLst>
+                                      </p:cBhvr>
+                                      <p:to>
+                                        <p:strVal val="visible"/>
+                                      </p:to>
+                                    </p:set>
+                                  </p:childTnLst>
+                                </p:cTn>
+                              </p:par>
+                            </p:childTnLst>
+                          </p:cTn>
+                        </p:par>
+                      </p:childTnLst>
+                    </p:cTn>
+                  </p:par>
+                  <p:par>
+                    <p:cTn id="11" fill="hold">
+                      <p:stCondLst>
+                        <p:cond delay="indefinite"/>
+                      </p:stCondLst>
+                      <p:childTnLst>
+                        <p:par>
+                          <p:cTn id="12" fill="hold">
+                            <p:stCondLst>
+                              <p:cond delay="0"/>
+                            </p:stCondLst>
+                            <p:childTnLst>
+                              <p:par>
+                                <p:cTn id="13" presetID="1" presetClass="entr" presetSubtype="0" fill="hold" grpId="0" nodeType="clickEffect">
+                                  <p:stCondLst>
+                                    <p:cond delay="0"/>
+                                  </p:stCondLst>
+                                  <p:childTnLst>
+                                    <p:set>
+                                      <p:cBhvr>
+                                        <p:cTn id="14" dur="1" fill="hold">
+                                          <p:stCondLst>
+                                            <p:cond delay="0"/>
+                                          </p:stCondLst>
+                                        </p:cTn>
+                                        <p:tgtEl>
+                                          <p:spTgt spid="9"/>
+                                        </p:tgtEl>
+                                        <p:attrNameLst>
+                                          <p:attrName>style.visibility</p:attrName>
+                                        </p:attrNameLst>
+                                      </p:cBhvr>
+                                      <p:to>
+                                        <p:strVal val="visible"/>
+                                      </p:to>
+                                    </p:set>
+                                  </p:childTnLst>
+                                </p:cTn>
+                              </p:par>
+                              <p:par>
+                                <p:cTn id="15" presetID="1" presetClass="entr" presetSubtype="0" fill="hold" grpId="0" nodeType="withEffect">
+                                  <p:stCondLst>
+                                    <p:cond delay="0"/>
+                                  </p:stCondLst>
+                                  <p:childTnLst>
+                                    <p:set>
+                                      <p:cBhvr>
+                                        <p:cTn id="16" dur="1" fill="hold">
+                                          <p:stCondLst>
+                                            <p:cond delay="0"/>
+                                          </p:stCondLst>
+                                        </p:cTn>
+                                        <p:tgtEl>
+                                          <p:spTgt spid="25"/>
+                                        </p:tgtEl>
+                                        <p:attrNameLst>
+                                          <p:attrName>style.visibility</p:attrName>
+                                        </p:attrNameLst>
+                                      </p:cBhvr>
+                                      <p:to>
+                                        <p:strVal val="visible"/>
+                                      </p:to>
+                                    </p:set>
+                                  </p:childTnLst>
+                                </p:cTn>
+                              </p:par>
+                              <p:par>
+                                <p:cTn id="17" presetID="1" presetClass="entr" presetSubtype="0" fill="hold" grpId="0" nodeType="withEffect">
+                                  <p:stCondLst>
+                                    <p:cond delay="0"/>
+                                  </p:stCondLst>
+                                  <p:childTnLst>
+                                    <p:set>
+                                      <p:cBhvr>
+                                        <p:cTn id="18" dur="1" fill="hold">
+                                          <p:stCondLst>
+                                            <p:cond delay="0"/>
+                                          </p:stCondLst>
+                                        </p:cTn>
+                                        <p:tgtEl>
+                                          <p:spTgt spid="26"/>
+                                        </p:tgtEl>
+                                        <p:attrNameLst>
+                                          <p:attrName>style.visibility</p:attrName>
+                                        </p:attrNameLst>
+                                      </p:cBhvr>
+                                      <p:to>
+                                        <p:strVal val="visible"/>
+                                      </p:to>
+                                    </p:set>
+                                  </p:childTnLst>
+                                </p:cTn>
+                              </p:par>
+                            </p:childTnLst>
+                          </p:cTn>
+                        </p:par>
+                      </p:childTnLst>
+                    </p:cTn>
+                  </p:par>
+                  <p:par>
+                    <p:cTn id="19" fill="hold">
+                      <p:stCondLst>
+                        <p:cond delay="indefinite"/>
+                      </p:stCondLst>
+                      <p:childTnLst>
+                        <p:par>
+                          <p:cTn id="20" fill="hold">
+                            <p:stCondLst>
+                              <p:cond delay="0"/>
+                            </p:stCondLst>
+                            <p:childTnLst>
+                              <p:par>
+                                <p:cTn id="21" presetID="1" presetClass="entr" presetSubtype="0" fill="hold" grpId="0" nodeType="clickEffect">
+                                  <p:stCondLst>
+                                    <p:cond delay="0"/>
+                                  </p:stCondLst>
+                                  <p:childTnLst>
+                                    <p:set>
+                                      <p:cBhvr>
+                                        <p:cTn id="22" dur="1" fill="hold">
+                                          <p:stCondLst>
+                                            <p:cond delay="0"/>
+                                          </p:stCondLst>
+                                        </p:cTn>
+                                        <p:tgtEl>
+                                          <p:spTgt spid="20"/>
+                                        </p:tgtEl>
+                                        <p:attrNameLst>
+                                          <p:attrName>style.visibility</p:attrName>
+                                        </p:attrNameLst>
+                                      </p:cBhvr>
+                                      <p:to>
+                                        <p:strVal val="visible"/>
+                                      </p:to>
+                                    </p:set>
+                                  </p:childTnLst>
+                                </p:cTn>
+                              </p:par>
+                              <p:par>
+                                <p:cTn id="23" presetID="1" presetClass="entr" presetSubtype="0" fill="hold" grpId="0" nodeType="withEffect">
+                                  <p:stCondLst>
+                                    <p:cond delay="0"/>
+                                  </p:stCondLst>
+                                  <p:childTnLst>
+                                    <p:set>
+                                      <p:cBhvr>
+                                        <p:cTn id="24" dur="1" fill="hold">
+                                          <p:stCondLst>
+                                            <p:cond delay="0"/>
+                                          </p:stCondLst>
+                                        </p:cTn>
+                                        <p:tgtEl>
+                                          <p:spTgt spid="21"/>
+                                        </p:tgtEl>
+                                        <p:attrNameLst>
+                                          <p:attrName>style.visibility</p:attrName>
+                                        </p:attrNameLst>
+                                      </p:cBhvr>
+                                      <p:to>
+                                        <p:strVal val="visible"/>
+                                      </p:to>
+                                    </p:set>
+                                  </p:childTnLst>
+                                </p:cTn>
+                              </p:par>
+                              <p:par>
+                                <p:cTn id="25" presetID="1" presetClass="entr" presetSubtype="0" fill="hold" grpId="0" nodeType="withEffect">
+                                  <p:stCondLst>
+                                    <p:cond delay="0"/>
+                                  </p:stCondLst>
+                                  <p:childTnLst>
+                                    <p:set>
+                                      <p:cBhvr>
+                                        <p:cTn id="26" dur="1" fill="hold">
+                                          <p:stCondLst>
+                                            <p:cond delay="0"/>
+                                          </p:stCondLst>
+                                        </p:cTn>
+                                        <p:tgtEl>
+                                          <p:spTgt spid="22"/>
+                                        </p:tgtEl>
+                                        <p:attrNameLst>
+                                          <p:attrName>style.visibility</p:attrName>
+                                        </p:attrNameLst>
+                                      </p:cBhvr>
+                                      <p:to>
+                                        <p:strVal val="visible"/>
+                                      </p:to>
+                                    </p:set>
+                                  </p:childTnLst>
+                                </p:cTn>
+                              </p:par>
+                            </p:childTnLst>
+                          </p:cTn>
+                        </p:par>
+                      </p:childTnLst>
+                    </p:cTn>
+                  </p:par>
+                </p:childTnLst>
+              </p:cTn>
+              <p:prevCondLst>
+                <p:cond evt="onPrev" delay="0">
+                  <p:tgtEl>
+                    <p:sldTgt/>
+                  </p:tgtEl>
+                </p:cond>
+              </p:prevCondLst>
+              <p:nextCondLst>
+                <p:cond evt="onNext" delay="0">
+                  <p:tgtEl>
+                    <p:sldTgt/>
+                  </p:tgtEl>
+                </p:cond>
+              </p:nextCondLst>
+            </p:seq>
+          </p:childTnLst>
+        </p:cTn>
       </p:par>
     </p:tnLst>
+    <p:bldLst>
+      <p:bldP spid="9" grpId="0" animBg="1"/>
+      <p:bldP spid="15" grpId="0" animBg="1"/>
+      <p:bldP spid="16" grpId="0" animBg="1"/>
+      <p:bldP spid="19" grpId="0" animBg="1"/>
+      <p:bldP spid="20" grpId="0" animBg="1"/>
+      <p:bldP spid="21" grpId="0" animBg="1"/>
+      <p:bldP spid="22" grpId="0" animBg="1"/>
+      <p:bldP spid="25" grpId="0" animBg="1"/>
+      <p:bldP spid="26" grpId="0" animBg="1"/>
+    </p:bldLst>
   </p:timing>
 </p:sld>
 </file>
@@ -4374,7 +5277,7 @@
   <a:extraClrSchemeLst/>
   <a:extLst>
     <a:ext uri="{05A4C25C-085E-4340-85A3-A5531E510DB2}">
-      <thm15:themeFamily xmlns="" xmlns:thm15="http://schemas.microsoft.com/office/thememl/2012/main" name="ConcurCorporateTemplate2013_Helvetica_16x9" id="{A09BE1D0-94B0-44B7-9420-2ECF7BB955CC}" vid="{59E5CBDF-7240-4762-BDFB-AAFD424E1AE9}"/>
+      <thm15:themeFamily xmlns:thm15="http://schemas.microsoft.com/office/thememl/2012/main" xmlns="" name="ConcurCorporateTemplate2013_Helvetica_16x9" id="{A09BE1D0-94B0-44B7-9420-2ECF7BB955CC}" vid="{59E5CBDF-7240-4762-BDFB-AAFD424E1AE9}"/>
     </a:ext>
   </a:extLst>
 </a:theme>

--- a/fig/shippable_v01.pptx
+++ b/fig/shippable_v01.pptx
@@ -2475,7 +2475,7 @@
         </p:blipFill>
         <p:spPr>
           <a:xfrm>
-            <a:off x="1143526" y="166255"/>
+            <a:off x="1143526" y="397141"/>
             <a:ext cx="7607720" cy="1148744"/>
           </a:xfrm>
           <a:prstGeom prst="rect">
@@ -2491,7 +2491,7 @@
         </p:nvSpPr>
         <p:spPr>
           <a:xfrm>
-            <a:off x="759508" y="1053407"/>
+            <a:off x="759508" y="1284293"/>
             <a:ext cx="2030123" cy="400110"/>
           </a:xfrm>
           <a:prstGeom prst="rect">
@@ -2536,7 +2536,7 @@
         </p:nvSpPr>
         <p:spPr>
           <a:xfrm>
-            <a:off x="3655722" y="1053407"/>
+            <a:off x="3655722" y="1284293"/>
             <a:ext cx="2483973" cy="400110"/>
           </a:xfrm>
           <a:prstGeom prst="rect">
@@ -2581,7 +2581,7 @@
         </p:nvSpPr>
         <p:spPr>
           <a:xfrm>
-            <a:off x="7375409" y="1628110"/>
+            <a:off x="7965543" y="2551654"/>
             <a:ext cx="915635" cy="369332"/>
           </a:xfrm>
           <a:prstGeom prst="rect">
@@ -2597,7 +2597,7 @@
           </a:bodyPr>
           <a:lstStyle/>
           <a:p>
-            <a:pPr marL="285750" indent="-285750" algn="ctr">
+            <a:pPr marL="285750" indent="-285750">
               <a:buFont typeface="Wingdings" charset="2"/>
               <a:buChar char="q"/>
             </a:pPr>
@@ -2629,15 +2629,13 @@
         </p:nvSpPr>
         <p:spPr>
           <a:xfrm>
-            <a:off x="7138309" y="3649075"/>
+            <a:off x="7046020" y="1968849"/>
             <a:ext cx="1633781" cy="338554"/>
           </a:xfrm>
           <a:prstGeom prst="rect">
             <a:avLst/>
           </a:prstGeom>
-          <a:solidFill>
-            <a:schemeClr val="bg1"/>
-          </a:solidFill>
+          <a:noFill/>
         </p:spPr>
         <p:txBody>
           <a:bodyPr wrap="none" rtlCol="0">
@@ -2668,15 +2666,13 @@
         </p:nvSpPr>
         <p:spPr>
           <a:xfrm>
-            <a:off x="4638006" y="3649075"/>
+            <a:off x="3357027" y="1702864"/>
             <a:ext cx="864339" cy="338554"/>
           </a:xfrm>
           <a:prstGeom prst="rect">
             <a:avLst/>
           </a:prstGeom>
-          <a:solidFill>
-            <a:schemeClr val="bg1"/>
-          </a:solidFill>
+          <a:noFill/>
         </p:spPr>
         <p:txBody>
           <a:bodyPr wrap="none" rtlCol="0">
@@ -2684,9 +2680,8 @@
           </a:bodyPr>
           <a:lstStyle/>
           <a:p>
-            <a:pPr algn="r"/>
-            <a:r>
-              <a:rPr lang="en-US" sz="1600" dirty="0" err="1" smtClean="0">
+            <a:r>
+              <a:rPr lang="en-US" sz="1600" dirty="0" smtClean="0">
                 <a:latin typeface="Open Sans"/>
                 <a:cs typeface="Open Sans"/>
               </a:rPr>
@@ -2707,15 +2702,13 @@
         </p:nvSpPr>
         <p:spPr>
           <a:xfrm>
-            <a:off x="7080765" y="4129472"/>
+            <a:off x="7080765" y="1684540"/>
             <a:ext cx="1570362" cy="338554"/>
           </a:xfrm>
           <a:prstGeom prst="rect">
             <a:avLst/>
           </a:prstGeom>
-          <a:solidFill>
-            <a:schemeClr val="bg1"/>
-          </a:solidFill>
+          <a:noFill/>
         </p:spPr>
         <p:txBody>
           <a:bodyPr wrap="none" rtlCol="0">
@@ -2753,15 +2746,13 @@
         </p:nvSpPr>
         <p:spPr>
           <a:xfrm>
-            <a:off x="1073047" y="4071868"/>
+            <a:off x="760134" y="2010359"/>
             <a:ext cx="1313180" cy="338554"/>
           </a:xfrm>
           <a:prstGeom prst="rect">
             <a:avLst/>
           </a:prstGeom>
-          <a:solidFill>
-            <a:schemeClr val="bg1"/>
-          </a:solidFill>
+          <a:noFill/>
         </p:spPr>
         <p:txBody>
           <a:bodyPr wrap="none" rtlCol="0">
@@ -2792,15 +2783,13 @@
         </p:nvSpPr>
         <p:spPr>
           <a:xfrm>
-            <a:off x="1000727" y="3651373"/>
+            <a:off x="733850" y="1712919"/>
             <a:ext cx="1652616" cy="338554"/>
           </a:xfrm>
           <a:prstGeom prst="rect">
             <a:avLst/>
           </a:prstGeom>
-          <a:solidFill>
-            <a:schemeClr val="bg1"/>
-          </a:solidFill>
+          <a:noFill/>
         </p:spPr>
         <p:txBody>
           <a:bodyPr wrap="none" rtlCol="0">
@@ -2832,45 +2821,6 @@
       </p:sp>
       <p:sp>
         <p:nvSpPr>
-          <p:cNvPr id="24" name="TextBox 23"/>
-          <p:cNvSpPr txBox="1"/>
-          <p:nvPr/>
-        </p:nvSpPr>
-        <p:spPr>
-          <a:xfrm>
-            <a:off x="7593125" y="4579914"/>
-            <a:ext cx="1058002" cy="338554"/>
-          </a:xfrm>
-          <a:prstGeom prst="rect">
-            <a:avLst/>
-          </a:prstGeom>
-          <a:solidFill>
-            <a:schemeClr val="bg1"/>
-          </a:solidFill>
-        </p:spPr>
-        <p:txBody>
-          <a:bodyPr wrap="none" rtlCol="0">
-            <a:spAutoFit/>
-          </a:bodyPr>
-          <a:lstStyle/>
-          <a:p>
-            <a:pPr algn="ctr"/>
-            <a:r>
-              <a:rPr lang="en-US" sz="1600" dirty="0" smtClean="0">
-                <a:latin typeface="Open Sans"/>
-                <a:cs typeface="Open Sans"/>
-              </a:rPr>
-              <a:t>arbitrage</a:t>
-            </a:r>
-            <a:endParaRPr lang="en-US" sz="1600" dirty="0">
-              <a:latin typeface="Open Sans"/>
-              <a:cs typeface="Open Sans"/>
-            </a:endParaRPr>
-          </a:p>
-        </p:txBody>
-      </p:sp>
-      <p:sp>
-        <p:nvSpPr>
           <p:cNvPr id="15" name="TextBox 14">
             <a:hlinkClick r:id="rId3"/>
           </p:cNvPr>
@@ -2879,7 +2829,7 @@
         </p:nvSpPr>
         <p:spPr>
           <a:xfrm>
-            <a:off x="1000727" y="1628110"/>
+            <a:off x="1000727" y="2551654"/>
             <a:ext cx="1475250" cy="369332"/>
           </a:xfrm>
           <a:prstGeom prst="rect">
@@ -2929,7 +2879,7 @@
         </p:nvSpPr>
         <p:spPr>
           <a:xfrm>
-            <a:off x="1000727" y="2252174"/>
+            <a:off x="1000727" y="3175718"/>
             <a:ext cx="1488135" cy="369332"/>
           </a:xfrm>
           <a:prstGeom prst="rect">
@@ -2979,7 +2929,7 @@
         </p:nvSpPr>
         <p:spPr>
           <a:xfrm>
-            <a:off x="1000727" y="2876237"/>
+            <a:off x="1000727" y="3799781"/>
             <a:ext cx="1788904" cy="369332"/>
           </a:xfrm>
           <a:prstGeom prst="rect">
@@ -3029,8 +2979,8 @@
         </p:nvSpPr>
         <p:spPr>
           <a:xfrm>
-            <a:off x="3677129" y="1628110"/>
-            <a:ext cx="2968382" cy="646331"/>
+            <a:off x="3997854" y="2551654"/>
+            <a:ext cx="2557855" cy="646331"/>
           </a:xfrm>
           <a:prstGeom prst="rect">
             <a:avLst/>
@@ -3118,8 +3068,8 @@
         </p:nvSpPr>
         <p:spPr>
           <a:xfrm>
-            <a:off x="3677129" y="2252174"/>
-            <a:ext cx="3147711" cy="646331"/>
+            <a:off x="3997855" y="3175718"/>
+            <a:ext cx="2557854" cy="646331"/>
           </a:xfrm>
           <a:prstGeom prst="rect">
             <a:avLst/>
@@ -3217,8 +3167,8 @@
         </p:nvSpPr>
         <p:spPr>
           <a:xfrm>
-            <a:off x="3677129" y="2876237"/>
-            <a:ext cx="3160540" cy="646331"/>
+            <a:off x="3997854" y="3799781"/>
+            <a:ext cx="2462566" cy="646331"/>
           </a:xfrm>
           <a:prstGeom prst="rect">
             <a:avLst/>
@@ -3245,7 +3195,7 @@
                 <a:latin typeface="Open Sans"/>
                 <a:cs typeface="Open Sans"/>
               </a:rPr>
-              <a:t>Azure</a:t>
+              <a:t>Microsoft Azure</a:t>
             </a:r>
             <a:r>
               <a:rPr lang="en-US" sz="1800" dirty="0" smtClean="0">
@@ -3256,16 +3206,6 @@
                 <a:cs typeface="Open Sans"/>
               </a:rPr>
               <a:t> </a:t>
-            </a:r>
-            <a:r>
-              <a:rPr lang="en-US" sz="1800" dirty="0" smtClean="0">
-                <a:solidFill>
-                  <a:srgbClr val="0078C9"/>
-                </a:solidFill>
-                <a:latin typeface="Open Sans"/>
-                <a:cs typeface="Open Sans"/>
-              </a:rPr>
-              <a:t/>
             </a:r>
             <a:br>
               <a:rPr lang="en-US" sz="1800" dirty="0" smtClean="0">
@@ -3314,7 +3254,7 @@
         </p:nvSpPr>
         <p:spPr>
           <a:xfrm>
-            <a:off x="7038060" y="1053407"/>
+            <a:off x="6845625" y="1284293"/>
             <a:ext cx="1983536" cy="400110"/>
           </a:xfrm>
           <a:prstGeom prst="rect">
@@ -3359,7 +3299,7 @@
         </p:nvSpPr>
         <p:spPr>
           <a:xfrm>
-            <a:off x="7356173" y="2876237"/>
+            <a:off x="7946307" y="3799781"/>
             <a:ext cx="1043876" cy="369332"/>
           </a:xfrm>
           <a:prstGeom prst="rect">
@@ -3375,7 +3315,7 @@
           </a:bodyPr>
           <a:lstStyle/>
           <a:p>
-            <a:pPr marL="285750" indent="-285750" algn="ctr">
+            <a:pPr marL="285750" indent="-285750">
               <a:buFont typeface="Wingdings" charset="2"/>
               <a:buChar char="q"/>
             </a:pPr>
@@ -3417,7 +3357,7 @@
         </p:nvSpPr>
         <p:spPr>
           <a:xfrm>
-            <a:off x="7362585" y="2252174"/>
+            <a:off x="7952719" y="3175718"/>
             <a:ext cx="954107" cy="369332"/>
           </a:xfrm>
           <a:prstGeom prst="rect">
@@ -3433,7 +3373,7 @@
           </a:bodyPr>
           <a:lstStyle/>
           <a:p>
-            <a:pPr marL="285750" indent="-285750" algn="ctr">
+            <a:pPr marL="285750" indent="-285750">
               <a:buFont typeface="Wingdings" charset="2"/>
               <a:buChar char="q"/>
             </a:pPr>
@@ -3450,6 +3390,420 @@
             <a:endParaRPr lang="en-US" sz="1800" dirty="0" smtClean="0">
               <a:solidFill>
                 <a:schemeClr val="accent3"/>
+              </a:solidFill>
+              <a:latin typeface="Open Sans"/>
+              <a:cs typeface="Open Sans"/>
+            </a:endParaRPr>
+          </a:p>
+        </p:txBody>
+      </p:sp>
+      <p:sp>
+        <p:nvSpPr>
+          <p:cNvPr id="27" name="TextBox 26"/>
+          <p:cNvSpPr txBox="1"/>
+          <p:nvPr/>
+        </p:nvSpPr>
+        <p:spPr>
+          <a:xfrm>
+            <a:off x="6687066" y="2557916"/>
+            <a:ext cx="966931" cy="369332"/>
+          </a:xfrm>
+          <a:prstGeom prst="rect">
+            <a:avLst/>
+          </a:prstGeom>
+          <a:solidFill>
+            <a:schemeClr val="bg1"/>
+          </a:solidFill>
+        </p:spPr>
+        <p:txBody>
+          <a:bodyPr wrap="none" rtlCol="0">
+            <a:spAutoFit/>
+          </a:bodyPr>
+          <a:lstStyle/>
+          <a:p>
+            <a:pPr marL="285750" indent="-285750">
+              <a:buFont typeface="Wingdings" charset="2"/>
+              <a:buChar char="q"/>
+            </a:pPr>
+            <a:r>
+              <a:rPr lang="en-US" sz="1800" dirty="0" smtClean="0">
+                <a:solidFill>
+                  <a:schemeClr val="accent4"/>
+                </a:solidFill>
+                <a:latin typeface="Open Sans"/>
+                <a:cs typeface="Open Sans"/>
+              </a:rPr>
+              <a:t>AWS</a:t>
+            </a:r>
+            <a:endParaRPr lang="en-US" sz="1800" dirty="0">
+              <a:solidFill>
+                <a:schemeClr val="accent4"/>
+              </a:solidFill>
+              <a:latin typeface="Open Sans"/>
+              <a:cs typeface="Open Sans"/>
+            </a:endParaRPr>
+          </a:p>
+        </p:txBody>
+      </p:sp>
+      <p:sp>
+        <p:nvSpPr>
+          <p:cNvPr id="28" name="TextBox 27"/>
+          <p:cNvSpPr txBox="1"/>
+          <p:nvPr/>
+        </p:nvSpPr>
+        <p:spPr>
+          <a:xfrm>
+            <a:off x="6693478" y="3806043"/>
+            <a:ext cx="1082348" cy="369332"/>
+          </a:xfrm>
+          <a:prstGeom prst="rect">
+            <a:avLst/>
+          </a:prstGeom>
+          <a:solidFill>
+            <a:schemeClr val="bg1"/>
+          </a:solidFill>
+        </p:spPr>
+        <p:txBody>
+          <a:bodyPr wrap="none" rtlCol="0">
+            <a:spAutoFit/>
+          </a:bodyPr>
+          <a:lstStyle/>
+          <a:p>
+            <a:pPr marL="285750" indent="-285750">
+              <a:buFont typeface="Wingdings" charset="2"/>
+              <a:buChar char="q"/>
+            </a:pPr>
+            <a:r>
+              <a:rPr lang="en-US" sz="1800" dirty="0" smtClean="0">
+                <a:solidFill>
+                  <a:schemeClr val="accent4"/>
+                </a:solidFill>
+                <a:latin typeface="Open Sans"/>
+                <a:cs typeface="Open Sans"/>
+              </a:rPr>
+              <a:t>Azure</a:t>
+            </a:r>
+            <a:endParaRPr lang="en-US" sz="1800" dirty="0">
+              <a:solidFill>
+                <a:schemeClr val="accent4"/>
+              </a:solidFill>
+              <a:latin typeface="Open Sans"/>
+              <a:cs typeface="Open Sans"/>
+            </a:endParaRPr>
+          </a:p>
+        </p:txBody>
+      </p:sp>
+      <p:sp>
+        <p:nvSpPr>
+          <p:cNvPr id="29" name="TextBox 28"/>
+          <p:cNvSpPr txBox="1"/>
+          <p:nvPr/>
+        </p:nvSpPr>
+        <p:spPr>
+          <a:xfrm>
+            <a:off x="6699890" y="3181980"/>
+            <a:ext cx="1223412" cy="369332"/>
+          </a:xfrm>
+          <a:prstGeom prst="rect">
+            <a:avLst/>
+          </a:prstGeom>
+          <a:solidFill>
+            <a:schemeClr val="bg1"/>
+          </a:solidFill>
+        </p:spPr>
+        <p:txBody>
+          <a:bodyPr wrap="none" rtlCol="0">
+            <a:spAutoFit/>
+          </a:bodyPr>
+          <a:lstStyle/>
+          <a:p>
+            <a:pPr marL="285750" indent="-285750">
+              <a:buFont typeface="Wingdings" charset="2"/>
+              <a:buChar char="q"/>
+            </a:pPr>
+            <a:r>
+              <a:rPr lang="en-US" sz="1800" dirty="0" smtClean="0">
+                <a:solidFill>
+                  <a:schemeClr val="accent4"/>
+                </a:solidFill>
+                <a:latin typeface="Open Sans"/>
+                <a:cs typeface="Open Sans"/>
+              </a:rPr>
+              <a:t>Google</a:t>
+            </a:r>
+            <a:endParaRPr lang="en-US" sz="1800" dirty="0" smtClean="0">
+              <a:solidFill>
+                <a:schemeClr val="accent4"/>
+              </a:solidFill>
+              <a:latin typeface="Open Sans"/>
+              <a:cs typeface="Open Sans"/>
+            </a:endParaRPr>
+          </a:p>
+        </p:txBody>
+      </p:sp>
+      <p:sp>
+        <p:nvSpPr>
+          <p:cNvPr id="30" name="TextBox 29"/>
+          <p:cNvSpPr txBox="1"/>
+          <p:nvPr/>
+        </p:nvSpPr>
+        <p:spPr>
+          <a:xfrm>
+            <a:off x="5543891" y="1702864"/>
+            <a:ext cx="1287632" cy="338554"/>
+          </a:xfrm>
+          <a:prstGeom prst="rect">
+            <a:avLst/>
+          </a:prstGeom>
+          <a:noFill/>
+        </p:spPr>
+        <p:txBody>
+          <a:bodyPr wrap="none" rtlCol="0">
+            <a:spAutoFit/>
+          </a:bodyPr>
+          <a:lstStyle/>
+          <a:p>
+            <a:pPr algn="ctr"/>
+            <a:r>
+              <a:rPr lang="en-US" sz="1600" dirty="0" smtClean="0">
+                <a:latin typeface="Open Sans"/>
+                <a:cs typeface="Open Sans"/>
+              </a:rPr>
+              <a:t>Kubernetes</a:t>
+            </a:r>
+            <a:endParaRPr lang="en-US" sz="1600" dirty="0">
+              <a:latin typeface="Open Sans"/>
+              <a:cs typeface="Open Sans"/>
+            </a:endParaRPr>
+          </a:p>
+        </p:txBody>
+      </p:sp>
+      <p:sp>
+        <p:nvSpPr>
+          <p:cNvPr id="31" name="TextBox 30"/>
+          <p:cNvSpPr txBox="1"/>
+          <p:nvPr/>
+        </p:nvSpPr>
+        <p:spPr>
+          <a:xfrm>
+            <a:off x="4288906" y="1703313"/>
+            <a:ext cx="1187444" cy="338554"/>
+          </a:xfrm>
+          <a:prstGeom prst="rect">
+            <a:avLst/>
+          </a:prstGeom>
+          <a:noFill/>
+        </p:spPr>
+        <p:txBody>
+          <a:bodyPr wrap="none" rtlCol="0">
+            <a:spAutoFit/>
+          </a:bodyPr>
+          <a:lstStyle/>
+          <a:p>
+            <a:r>
+              <a:rPr lang="en-US" sz="1600" dirty="0" smtClean="0">
+                <a:latin typeface="Open Sans"/>
+                <a:cs typeface="Open Sans"/>
+              </a:rPr>
+              <a:t>Artifactory</a:t>
+            </a:r>
+            <a:endParaRPr lang="en-US" sz="1600" dirty="0">
+              <a:latin typeface="Open Sans"/>
+              <a:cs typeface="Open Sans"/>
+            </a:endParaRPr>
+          </a:p>
+        </p:txBody>
+      </p:sp>
+      <p:sp>
+        <p:nvSpPr>
+          <p:cNvPr id="32" name="TextBox 31"/>
+          <p:cNvSpPr txBox="1"/>
+          <p:nvPr/>
+        </p:nvSpPr>
+        <p:spPr>
+          <a:xfrm>
+            <a:off x="2168758" y="553591"/>
+            <a:ext cx="665867" cy="338554"/>
+          </a:xfrm>
+          <a:prstGeom prst="rect">
+            <a:avLst/>
+          </a:prstGeom>
+          <a:noFill/>
+        </p:spPr>
+        <p:txBody>
+          <a:bodyPr wrap="none" rtlCol="0">
+            <a:spAutoFit/>
+          </a:bodyPr>
+          <a:lstStyle/>
+          <a:p>
+            <a:pPr algn="ctr"/>
+            <a:r>
+              <a:rPr lang="en-US" sz="1600" dirty="0" smtClean="0">
+                <a:latin typeface="Open Sans"/>
+                <a:cs typeface="Open Sans"/>
+              </a:rPr>
+              <a:t>build</a:t>
+            </a:r>
+            <a:endParaRPr lang="en-US" sz="1600" dirty="0">
+              <a:latin typeface="Open Sans"/>
+              <a:cs typeface="Open Sans"/>
+            </a:endParaRPr>
+          </a:p>
+        </p:txBody>
+      </p:sp>
+      <p:sp>
+        <p:nvSpPr>
+          <p:cNvPr id="33" name="TextBox 32"/>
+          <p:cNvSpPr txBox="1"/>
+          <p:nvPr/>
+        </p:nvSpPr>
+        <p:spPr>
+          <a:xfrm>
+            <a:off x="6939646" y="579628"/>
+            <a:ext cx="830476" cy="338554"/>
+          </a:xfrm>
+          <a:prstGeom prst="rect">
+            <a:avLst/>
+          </a:prstGeom>
+          <a:noFill/>
+        </p:spPr>
+        <p:txBody>
+          <a:bodyPr wrap="none" rtlCol="0">
+            <a:spAutoFit/>
+          </a:bodyPr>
+          <a:lstStyle/>
+          <a:p>
+            <a:pPr algn="ctr"/>
+            <a:r>
+              <a:rPr lang="en-US" sz="1600" dirty="0" smtClean="0">
+                <a:latin typeface="Open Sans"/>
+                <a:cs typeface="Open Sans"/>
+              </a:rPr>
+              <a:t>deploy</a:t>
+            </a:r>
+            <a:endParaRPr lang="en-US" sz="1600" dirty="0">
+              <a:latin typeface="Open Sans"/>
+              <a:cs typeface="Open Sans"/>
+            </a:endParaRPr>
+          </a:p>
+        </p:txBody>
+      </p:sp>
+      <p:sp>
+        <p:nvSpPr>
+          <p:cNvPr id="34" name="TextBox 33"/>
+          <p:cNvSpPr txBox="1"/>
+          <p:nvPr/>
+        </p:nvSpPr>
+        <p:spPr>
+          <a:xfrm>
+            <a:off x="5276247" y="597655"/>
+            <a:ext cx="1072429" cy="338554"/>
+          </a:xfrm>
+          <a:prstGeom prst="rect">
+            <a:avLst/>
+          </a:prstGeom>
+          <a:noFill/>
+        </p:spPr>
+        <p:txBody>
+          <a:bodyPr wrap="none" rtlCol="0">
+            <a:spAutoFit/>
+          </a:bodyPr>
+          <a:lstStyle/>
+          <a:p>
+            <a:pPr algn="ctr"/>
+            <a:r>
+              <a:rPr lang="en-US" sz="1600" dirty="0" smtClean="0">
+                <a:latin typeface="Open Sans"/>
+                <a:cs typeface="Open Sans"/>
+              </a:rPr>
+              <a:t>provision</a:t>
+            </a:r>
+            <a:endParaRPr lang="en-US" sz="1600" dirty="0">
+              <a:latin typeface="Open Sans"/>
+              <a:cs typeface="Open Sans"/>
+            </a:endParaRPr>
+          </a:p>
+        </p:txBody>
+      </p:sp>
+      <p:sp>
+        <p:nvSpPr>
+          <p:cNvPr id="35" name="TextBox 34"/>
+          <p:cNvSpPr txBox="1"/>
+          <p:nvPr/>
+        </p:nvSpPr>
+        <p:spPr>
+          <a:xfrm>
+            <a:off x="2406513" y="1702864"/>
+            <a:ext cx="882974" cy="338554"/>
+          </a:xfrm>
+          <a:prstGeom prst="rect">
+            <a:avLst/>
+          </a:prstGeom>
+          <a:noFill/>
+        </p:spPr>
+        <p:txBody>
+          <a:bodyPr wrap="none" rtlCol="0">
+            <a:spAutoFit/>
+          </a:bodyPr>
+          <a:lstStyle/>
+          <a:p>
+            <a:r>
+              <a:rPr lang="en-US" sz="1600" dirty="0" smtClean="0">
+                <a:latin typeface="Open Sans"/>
+                <a:cs typeface="Open Sans"/>
+              </a:rPr>
+              <a:t>Ansible</a:t>
+            </a:r>
+            <a:endParaRPr lang="en-US" sz="1600" dirty="0">
+              <a:latin typeface="Open Sans"/>
+              <a:cs typeface="Open Sans"/>
+            </a:endParaRPr>
+          </a:p>
+        </p:txBody>
+      </p:sp>
+      <p:sp>
+        <p:nvSpPr>
+          <p:cNvPr id="36" name="TextBox 35">
+            <a:hlinkClick r:id="rId5"/>
+          </p:cNvPr>
+          <p:cNvSpPr txBox="1"/>
+          <p:nvPr/>
+        </p:nvSpPr>
+        <p:spPr>
+          <a:xfrm>
+            <a:off x="3996306" y="2141155"/>
+            <a:ext cx="2557855" cy="369332"/>
+          </a:xfrm>
+          <a:prstGeom prst="rect">
+            <a:avLst/>
+          </a:prstGeom>
+          <a:solidFill>
+            <a:schemeClr val="bg1"/>
+          </a:solidFill>
+        </p:spPr>
+        <p:txBody>
+          <a:bodyPr wrap="square" rtlCol="0">
+            <a:spAutoFit/>
+          </a:bodyPr>
+          <a:lstStyle/>
+          <a:p>
+            <a:pPr marL="285750" indent="-285750">
+              <a:buFont typeface="Wingdings" charset="2"/>
+              <a:buChar char="q"/>
+            </a:pPr>
+            <a:r>
+              <a:rPr lang="en-US" sz="1800" b="1" dirty="0" smtClean="0">
+                <a:solidFill>
+                  <a:srgbClr val="0078C9"/>
+                </a:solidFill>
+                <a:latin typeface="Open Sans"/>
+                <a:cs typeface="Open Sans"/>
+              </a:rPr>
+              <a:t>Docker Hub</a:t>
+            </a:r>
+            <a:endParaRPr lang="en-US" sz="1800" dirty="0">
+              <a:solidFill>
+                <a:srgbClr val="0078C9"/>
               </a:solidFill>
               <a:latin typeface="Open Sans"/>
               <a:cs typeface="Open Sans"/>
@@ -3772,6 +4126,150 @@
                       </p:childTnLst>
                     </p:cTn>
                   </p:par>
+                  <p:par>
+                    <p:cTn id="27" fill="hold">
+                      <p:stCondLst>
+                        <p:cond delay="indefinite"/>
+                      </p:stCondLst>
+                      <p:childTnLst>
+                        <p:par>
+                          <p:cTn id="28" fill="hold">
+                            <p:stCondLst>
+                              <p:cond delay="0"/>
+                            </p:stCondLst>
+                            <p:childTnLst>
+                              <p:par>
+                                <p:cTn id="29" presetID="1" presetClass="entr" presetSubtype="0" fill="hold" grpId="0" nodeType="clickEffect">
+                                  <p:stCondLst>
+                                    <p:cond delay="0"/>
+                                  </p:stCondLst>
+                                  <p:childTnLst>
+                                    <p:set>
+                                      <p:cBhvr>
+                                        <p:cTn id="30" dur="1" fill="hold">
+                                          <p:stCondLst>
+                                            <p:cond delay="0"/>
+                                          </p:stCondLst>
+                                        </p:cTn>
+                                        <p:tgtEl>
+                                          <p:spTgt spid="27"/>
+                                        </p:tgtEl>
+                                        <p:attrNameLst>
+                                          <p:attrName>style.visibility</p:attrName>
+                                        </p:attrNameLst>
+                                      </p:cBhvr>
+                                      <p:to>
+                                        <p:strVal val="visible"/>
+                                      </p:to>
+                                    </p:set>
+                                  </p:childTnLst>
+                                </p:cTn>
+                              </p:par>
+                              <p:par>
+                                <p:cTn id="31" presetID="1" presetClass="entr" presetSubtype="0" fill="hold" grpId="0" nodeType="withEffect">
+                                  <p:stCondLst>
+                                    <p:cond delay="0"/>
+                                  </p:stCondLst>
+                                  <p:childTnLst>
+                                    <p:set>
+                                      <p:cBhvr>
+                                        <p:cTn id="32" dur="1" fill="hold">
+                                          <p:stCondLst>
+                                            <p:cond delay="0"/>
+                                          </p:stCondLst>
+                                        </p:cTn>
+                                        <p:tgtEl>
+                                          <p:spTgt spid="28"/>
+                                        </p:tgtEl>
+                                        <p:attrNameLst>
+                                          <p:attrName>style.visibility</p:attrName>
+                                        </p:attrNameLst>
+                                      </p:cBhvr>
+                                      <p:to>
+                                        <p:strVal val="visible"/>
+                                      </p:to>
+                                    </p:set>
+                                  </p:childTnLst>
+                                </p:cTn>
+                              </p:par>
+                              <p:par>
+                                <p:cTn id="33" presetID="1" presetClass="entr" presetSubtype="0" fill="hold" grpId="0" nodeType="withEffect">
+                                  <p:stCondLst>
+                                    <p:cond delay="0"/>
+                                  </p:stCondLst>
+                                  <p:childTnLst>
+                                    <p:set>
+                                      <p:cBhvr>
+                                        <p:cTn id="34" dur="1" fill="hold">
+                                          <p:stCondLst>
+                                            <p:cond delay="0"/>
+                                          </p:stCondLst>
+                                        </p:cTn>
+                                        <p:tgtEl>
+                                          <p:spTgt spid="29"/>
+                                        </p:tgtEl>
+                                        <p:attrNameLst>
+                                          <p:attrName>style.visibility</p:attrName>
+                                        </p:attrNameLst>
+                                      </p:cBhvr>
+                                      <p:to>
+                                        <p:strVal val="visible"/>
+                                      </p:to>
+                                    </p:set>
+                                  </p:childTnLst>
+                                </p:cTn>
+                              </p:par>
+                            </p:childTnLst>
+                          </p:cTn>
+                        </p:par>
+                      </p:childTnLst>
+                    </p:cTn>
+                  </p:par>
+                  <p:par>
+                    <p:cTn id="35" fill="hold">
+                      <p:stCondLst>
+                        <p:cond delay="indefinite"/>
+                      </p:stCondLst>
+                      <p:childTnLst>
+                        <p:par>
+                          <p:cTn id="36" fill="hold">
+                            <p:stCondLst>
+                              <p:cond delay="0"/>
+                            </p:stCondLst>
+                            <p:childTnLst>
+                              <p:par>
+                                <p:cTn id="37" presetID="1" presetClass="entr" presetSubtype="0" fill="hold" grpId="0" nodeType="clickEffect">
+                                  <p:stCondLst>
+                                    <p:cond delay="0"/>
+                                  </p:stCondLst>
+                                  <p:childTnLst>
+                                    <p:set>
+                                      <p:cBhvr>
+                                        <p:cTn id="38" dur="1" fill="hold">
+                                          <p:stCondLst>
+                                            <p:cond delay="0"/>
+                                          </p:stCondLst>
+                                        </p:cTn>
+                                        <p:tgtEl>
+                                          <p:spTgt spid="36"/>
+                                        </p:tgtEl>
+                                        <p:attrNameLst>
+                                          <p:attrName>style.visibility</p:attrName>
+                                        </p:attrNameLst>
+                                      </p:cBhvr>
+                                      <p:to>
+                                        <p:strVal val="visible"/>
+                                      </p:to>
+                                    </p:set>
+                                  </p:childTnLst>
+                                </p:cTn>
+                              </p:par>
+                            </p:childTnLst>
+                          </p:cTn>
+                        </p:par>
+                      </p:childTnLst>
+                    </p:cTn>
+                  </p:par>
                 </p:childTnLst>
               </p:cTn>
               <p:prevCondLst>
@@ -3803,6 +4301,10 @@
       <p:bldP spid="22" grpId="0" animBg="1"/>
       <p:bldP spid="25" grpId="0" animBg="1"/>
       <p:bldP spid="26" grpId="0" animBg="1"/>
+      <p:bldP spid="27" grpId="0" animBg="1"/>
+      <p:bldP spid="28" grpId="0" animBg="1"/>
+      <p:bldP spid="29" grpId="0" animBg="1"/>
+      <p:bldP spid="36" grpId="0" animBg="1"/>
     </p:bldLst>
   </p:timing>
 </p:sld>
@@ -4832,12 +5334,8 @@
                         <a:defRPr/>
                       </a:pPr>
                       <a:r>
-                        <a:rPr lang="en-US" dirty="0" err="1" smtClean="0"/>
-                        <a:t>Docker</a:t>
-                      </a:r>
-                      <a:r>
                         <a:rPr lang="en-US" dirty="0" smtClean="0"/>
-                        <a:t> (dot cloud)</a:t>
+                        <a:t>Docker (dot cloud)</a:t>
                       </a:r>
                     </a:p>
                   </a:txBody>

--- a/fig/shippable_v01.pptx
+++ b/fig/shippable_v01.pptx
@@ -2702,8 +2702,8 @@
         </p:nvSpPr>
         <p:spPr>
           <a:xfrm>
-            <a:off x="7080765" y="1684540"/>
-            <a:ext cx="1570362" cy="338554"/>
+            <a:off x="7068294" y="1684540"/>
+            <a:ext cx="1595309" cy="338554"/>
           </a:xfrm>
           <a:prstGeom prst="rect">
             <a:avLst/>
@@ -2722,14 +2722,7 @@
                 <a:latin typeface="Open Sans"/>
                 <a:cs typeface="Open Sans"/>
               </a:rPr>
-              <a:t>multi</a:t>
-            </a:r>
-            <a:r>
-              <a:rPr lang="en-US" sz="1600" dirty="0" smtClean="0">
-                <a:latin typeface="Open Sans"/>
-                <a:cs typeface="Open Sans"/>
-              </a:rPr>
-              <a:t>-platform</a:t>
+              <a:t>cloud agnostic</a:t>
             </a:r>
             <a:endParaRPr lang="en-US" sz="1600" dirty="0">
               <a:latin typeface="Open Sans"/>
@@ -3116,36 +3109,7 @@
                 <a:latin typeface="Open Sans"/>
                 <a:cs typeface="Open Sans"/>
               </a:rPr>
-              <a:t/>
-            </a:r>
-            <a:br>
-              <a:rPr lang="en-US" sz="1800" dirty="0" smtClean="0">
-                <a:solidFill>
-                  <a:srgbClr val="0078C9"/>
-                </a:solidFill>
-                <a:latin typeface="Open Sans"/>
-                <a:cs typeface="Open Sans"/>
-              </a:rPr>
-            </a:br>
-            <a:r>
-              <a:rPr lang="en-US" sz="1800" dirty="0" smtClean="0">
-                <a:solidFill>
-                  <a:srgbClr val="0078C9"/>
-                </a:solidFill>
-                <a:latin typeface="Open Sans"/>
-                <a:cs typeface="Open Sans"/>
-              </a:rPr>
-              <a:t>Container </a:t>
-            </a:r>
-            <a:r>
-              <a:rPr lang="en-US" sz="1800" dirty="0" smtClean="0">
-                <a:solidFill>
-                  <a:srgbClr val="0078C9"/>
-                </a:solidFill>
-                <a:latin typeface="Open Sans"/>
-                <a:cs typeface="Open Sans"/>
-              </a:rPr>
-              <a:t>Registry</a:t>
+              <a:t>Container Engine Registry</a:t>
             </a:r>
             <a:endParaRPr lang="en-US" sz="1800" dirty="0">
               <a:solidFill>

--- a/fig/shippable_v01.pptx
+++ b/fig/shippable_v01.pptx
@@ -2623,50 +2623,13 @@
       </p:sp>
       <p:sp>
         <p:nvSpPr>
-          <p:cNvPr id="11" name="TextBox 10"/>
-          <p:cNvSpPr txBox="1"/>
-          <p:nvPr/>
-        </p:nvSpPr>
-        <p:spPr>
-          <a:xfrm>
-            <a:off x="7046020" y="1968849"/>
-            <a:ext cx="1633781" cy="338554"/>
-          </a:xfrm>
-          <a:prstGeom prst="rect">
-            <a:avLst/>
-          </a:prstGeom>
-          <a:noFill/>
-        </p:spPr>
-        <p:txBody>
-          <a:bodyPr wrap="none" rtlCol="0">
-            <a:spAutoFit/>
-          </a:bodyPr>
-          <a:lstStyle/>
-          <a:p>
-            <a:pPr algn="r"/>
-            <a:r>
-              <a:rPr lang="en-US" sz="1600" dirty="0" smtClean="0">
-                <a:latin typeface="Open Sans"/>
-                <a:cs typeface="Open Sans"/>
-              </a:rPr>
-              <a:t>load balancing</a:t>
-            </a:r>
-            <a:endParaRPr lang="en-US" sz="1600" dirty="0">
-              <a:latin typeface="Open Sans"/>
-              <a:cs typeface="Open Sans"/>
-            </a:endParaRPr>
-          </a:p>
-        </p:txBody>
-      </p:sp>
-      <p:sp>
-        <p:nvSpPr>
           <p:cNvPr id="12" name="TextBox 11"/>
           <p:cNvSpPr txBox="1"/>
           <p:nvPr/>
         </p:nvSpPr>
         <p:spPr>
           <a:xfrm>
-            <a:off x="3357027" y="1702864"/>
+            <a:off x="3357027" y="1684540"/>
             <a:ext cx="864339" cy="338554"/>
           </a:xfrm>
           <a:prstGeom prst="rect">
@@ -2702,8 +2665,8 @@
         </p:nvSpPr>
         <p:spPr>
           <a:xfrm>
-            <a:off x="7068294" y="1684540"/>
-            <a:ext cx="1595309" cy="338554"/>
+            <a:off x="7059906" y="1684540"/>
+            <a:ext cx="1740380" cy="338554"/>
           </a:xfrm>
           <a:prstGeom prst="rect">
             <a:avLst/>
@@ -2722,7 +2685,7 @@
                 <a:latin typeface="Open Sans"/>
                 <a:cs typeface="Open Sans"/>
               </a:rPr>
-              <a:t>cloud agnostic</a:t>
+              <a:t>cloud portability</a:t>
             </a:r>
             <a:endParaRPr lang="en-US" sz="1600" dirty="0">
               <a:latin typeface="Open Sans"/>
@@ -2776,7 +2739,7 @@
         </p:nvSpPr>
         <p:spPr>
           <a:xfrm>
-            <a:off x="733850" y="1712919"/>
+            <a:off x="733850" y="1684540"/>
             <a:ext cx="1652616" cy="338554"/>
           </a:xfrm>
           <a:prstGeom prst="rect">
@@ -3109,7 +3072,7 @@
                 <a:latin typeface="Open Sans"/>
                 <a:cs typeface="Open Sans"/>
               </a:rPr>
-              <a:t>Container Engine Registry</a:t>
+              <a:t>GKE Container Engine</a:t>
             </a:r>
             <a:endParaRPr lang="en-US" sz="1800" dirty="0">
               <a:solidFill>
@@ -3513,7 +3476,7 @@
         </p:nvSpPr>
         <p:spPr>
           <a:xfrm>
-            <a:off x="5543891" y="1702864"/>
+            <a:off x="5543891" y="1684540"/>
             <a:ext cx="1287632" cy="338554"/>
           </a:xfrm>
           <a:prstGeom prst="rect">
@@ -3550,7 +3513,7 @@
         </p:nvSpPr>
         <p:spPr>
           <a:xfrm>
-            <a:off x="4288906" y="1703313"/>
+            <a:off x="4288906" y="1684540"/>
             <a:ext cx="1187444" cy="338554"/>
           </a:xfrm>
           <a:prstGeom prst="rect">
@@ -3586,7 +3549,7 @@
         </p:nvSpPr>
         <p:spPr>
           <a:xfrm>
-            <a:off x="2168758" y="553591"/>
+            <a:off x="2123764" y="410835"/>
             <a:ext cx="665867" cy="338554"/>
           </a:xfrm>
           <a:prstGeom prst="rect">
@@ -3623,7 +3586,7 @@
         </p:nvSpPr>
         <p:spPr>
           <a:xfrm>
-            <a:off x="6939646" y="579628"/>
+            <a:off x="6939646" y="410835"/>
             <a:ext cx="830476" cy="338554"/>
           </a:xfrm>
           <a:prstGeom prst="rect">
@@ -3660,7 +3623,7 @@
         </p:nvSpPr>
         <p:spPr>
           <a:xfrm>
-            <a:off x="5276247" y="597655"/>
+            <a:off x="5276247" y="410835"/>
             <a:ext cx="1072429" cy="338554"/>
           </a:xfrm>
           <a:prstGeom prst="rect">
@@ -3697,7 +3660,7 @@
         </p:nvSpPr>
         <p:spPr>
           <a:xfrm>
-            <a:off x="2406513" y="1702864"/>
+            <a:off x="2406513" y="1684540"/>
             <a:ext cx="882974" cy="338554"/>
           </a:xfrm>
           <a:prstGeom prst="rect">
@@ -3769,6 +3732,43 @@
               <a:solidFill>
                 <a:srgbClr val="0078C9"/>
               </a:solidFill>
+              <a:latin typeface="Open Sans"/>
+              <a:cs typeface="Open Sans"/>
+            </a:endParaRPr>
+          </a:p>
+        </p:txBody>
+      </p:sp>
+      <p:sp>
+        <p:nvSpPr>
+          <p:cNvPr id="37" name="TextBox 36"/>
+          <p:cNvSpPr txBox="1"/>
+          <p:nvPr/>
+        </p:nvSpPr>
+        <p:spPr>
+          <a:xfrm>
+            <a:off x="3611018" y="410835"/>
+            <a:ext cx="1047883" cy="338554"/>
+          </a:xfrm>
+          <a:prstGeom prst="rect">
+            <a:avLst/>
+          </a:prstGeom>
+          <a:noFill/>
+        </p:spPr>
+        <p:txBody>
+          <a:bodyPr wrap="none" rtlCol="0">
+            <a:spAutoFit/>
+          </a:bodyPr>
+          <a:lstStyle/>
+          <a:p>
+            <a:pPr algn="ctr"/>
+            <a:r>
+              <a:rPr lang="en-US" sz="1600" dirty="0" smtClean="0">
+                <a:latin typeface="Open Sans"/>
+                <a:cs typeface="Open Sans"/>
+              </a:rPr>
+              <a:t>integrate</a:t>
+            </a:r>
+            <a:endParaRPr lang="en-US" sz="1600" dirty="0">
               <a:latin typeface="Open Sans"/>
               <a:cs typeface="Open Sans"/>
             </a:endParaRPr>
@@ -5116,7 +5116,7 @@
           <a:bodyPr/>
           <a:lstStyle/>
           <a:p>
-            <a:endParaRPr lang="en-US"/>
+            <a:endParaRPr lang="en-US" dirty="0"/>
           </a:p>
         </p:txBody>
       </p:sp>

--- a/fig/shippable_v01.pptx
+++ b/fig/shippable_v01.pptx
@@ -12,11 +12,11 @@
   </p:handoutMasterIdLst>
   <p:sldIdLst>
     <p:sldId id="334" r:id="rId2"/>
-    <p:sldId id="332" r:id="rId3"/>
-    <p:sldId id="331" r:id="rId4"/>
-    <p:sldId id="335" r:id="rId5"/>
-    <p:sldId id="330" r:id="rId6"/>
-    <p:sldId id="333" r:id="rId7"/>
+    <p:sldId id="333" r:id="rId3"/>
+    <p:sldId id="332" r:id="rId4"/>
+    <p:sldId id="331" r:id="rId5"/>
+    <p:sldId id="335" r:id="rId6"/>
+    <p:sldId id="330" r:id="rId7"/>
   </p:sldIdLst>
   <p:sldSz cx="9144000" cy="5143500" type="screen16x9"/>
   <p:notesSz cx="9144000" cy="6858000"/>
@@ -256,7 +256,7 @@
               <a:pPr>
                 <a:defRPr/>
               </a:pPr>
-              <a:t>7/14/16</a:t>
+              <a:t>7/15/16</a:t>
             </a:fld>
             <a:endParaRPr lang="en-US"/>
           </a:p>
@@ -470,7 +470,7 @@
               <a:pPr>
                 <a:defRPr/>
               </a:pPr>
-              <a:t>7/14/16</a:t>
+              <a:t>7/15/16</a:t>
             </a:fld>
             <a:endParaRPr lang="en-US"/>
           </a:p>
@@ -1399,7 +1399,7 @@
               <a:pPr>
                 <a:defRPr/>
               </a:pPr>
-              <a:t>7/14/16</a:t>
+              <a:t>7/15/16</a:t>
             </a:fld>
             <a:endParaRPr lang="en-US"/>
           </a:p>
@@ -2303,6 +2303,547 @@
           <a:bodyPr/>
           <a:lstStyle/>
           <a:p>
+            <a:endParaRPr lang="en-US" dirty="0"/>
+          </a:p>
+        </p:txBody>
+      </p:sp>
+      <p:graphicFrame>
+        <p:nvGraphicFramePr>
+          <p:cNvPr id="4" name="Content Placeholder 3"/>
+          <p:cNvGraphicFramePr>
+            <a:graphicFrameLocks noGrp="1"/>
+          </p:cNvGraphicFramePr>
+          <p:nvPr>
+            <p:ph idx="1"/>
+            <p:extLst>
+              <p:ext uri="{D42A27DB-BD31-4B8C-83A1-F6EECF244321}">
+                <p14:modId xmlns:p14="http://schemas.microsoft.com/office/powerpoint/2010/main" val="3966767"/>
+              </p:ext>
+            </p:extLst>
+          </p:nvPr>
+        </p:nvGraphicFramePr>
+        <p:xfrm>
+          <a:off x="734827" y="207300"/>
+          <a:ext cx="6853182" cy="3408679"/>
+        </p:xfrm>
+        <a:graphic>
+          <a:graphicData uri="http://schemas.openxmlformats.org/drawingml/2006/table">
+            <a:tbl>
+              <a:tblPr firstRow="1" bandRow="1">
+                <a:tableStyleId>{5C22544A-7EE6-4342-B048-85BDC9FD1C3A}</a:tableStyleId>
+              </a:tblPr>
+              <a:tblGrid>
+                <a:gridCol w="1286490"/>
+                <a:gridCol w="2851009"/>
+                <a:gridCol w="2715683"/>
+              </a:tblGrid>
+              <a:tr h="370840">
+                <a:tc>
+                  <a:txBody>
+                    <a:bodyPr/>
+                    <a:lstStyle/>
+                    <a:p>
+                      <a:r>
+                        <a:rPr lang="en-US" dirty="0" smtClean="0"/>
+                        <a:t>Dev. </a:t>
+                      </a:r>
+                      <a:r>
+                        <a:rPr lang="en-US" dirty="0" smtClean="0"/>
+                        <a:t>vs. </a:t>
+                      </a:r>
+                      <a:r>
+                        <a:rPr lang="en-US" dirty="0" smtClean="0"/>
+                        <a:t>Ops.</a:t>
+                      </a:r>
+                      <a:endParaRPr lang="en-US" dirty="0"/>
+                    </a:p>
+                  </a:txBody>
+                  <a:tcPr/>
+                </a:tc>
+                <a:tc>
+                  <a:txBody>
+                    <a:bodyPr/>
+                    <a:lstStyle/>
+                    <a:p>
+                      <a:r>
+                        <a:rPr lang="en-US" dirty="0" smtClean="0"/>
+                        <a:t>DevOps 1.0</a:t>
+                      </a:r>
+                      <a:endParaRPr lang="en-US" dirty="0"/>
+                    </a:p>
+                  </a:txBody>
+                  <a:tcPr/>
+                </a:tc>
+                <a:tc>
+                  <a:txBody>
+                    <a:bodyPr/>
+                    <a:lstStyle/>
+                    <a:p>
+                      <a:r>
+                        <a:rPr lang="en-US" dirty="0" smtClean="0"/>
+                        <a:t>DevOps 2.0</a:t>
+                      </a:r>
+                      <a:endParaRPr lang="en-US" dirty="0"/>
+                    </a:p>
+                  </a:txBody>
+                  <a:tcPr/>
+                </a:tc>
+              </a:tr>
+              <a:tr h="370840">
+                <a:tc>
+                  <a:txBody>
+                    <a:bodyPr/>
+                    <a:lstStyle/>
+                    <a:p>
+                      <a:endParaRPr lang="en-US" dirty="0"/>
+                    </a:p>
+                  </a:txBody>
+                  <a:tcPr/>
+                </a:tc>
+                <a:tc>
+                  <a:txBody>
+                    <a:bodyPr/>
+                    <a:lstStyle/>
+                    <a:p>
+                      <a:r>
+                        <a:rPr lang="en-US" dirty="0" smtClean="0"/>
+                        <a:t>Centralized versions (Subversion)</a:t>
+                      </a:r>
+                      <a:endParaRPr lang="en-US" dirty="0"/>
+                    </a:p>
+                  </a:txBody>
+                  <a:tcPr/>
+                </a:tc>
+                <a:tc>
+                  <a:txBody>
+                    <a:bodyPr/>
+                    <a:lstStyle/>
+                    <a:p>
+                      <a:r>
+                        <a:rPr lang="en-US" dirty="0" smtClean="0"/>
+                        <a:t>Distributed versions </a:t>
+                      </a:r>
+                      <a:br>
+                        <a:rPr lang="en-US" dirty="0" smtClean="0"/>
+                      </a:br>
+                      <a:r>
+                        <a:rPr lang="en-US" dirty="0" smtClean="0"/>
+                        <a:t>(GitHub)</a:t>
+                      </a:r>
+                      <a:endParaRPr lang="en-US" dirty="0"/>
+                    </a:p>
+                  </a:txBody>
+                  <a:tcPr/>
+                </a:tc>
+              </a:tr>
+              <a:tr h="370840">
+                <a:tc>
+                  <a:txBody>
+                    <a:bodyPr/>
+                    <a:lstStyle/>
+                    <a:p>
+                      <a:endParaRPr lang="en-US" dirty="0"/>
+                    </a:p>
+                  </a:txBody>
+                  <a:tcPr/>
+                </a:tc>
+                <a:tc>
+                  <a:txBody>
+                    <a:bodyPr/>
+                    <a:lstStyle/>
+                    <a:p>
+                      <a:pPr marL="0" marR="0" indent="0" algn="l" defTabSz="686806" rtl="0" eaLnBrk="1" fontAlgn="auto" latinLnBrk="0" hangingPunct="1">
+                        <a:lnSpc>
+                          <a:spcPct val="100000"/>
+                        </a:lnSpc>
+                        <a:spcBef>
+                          <a:spcPts val="0"/>
+                        </a:spcBef>
+                        <a:spcAft>
+                          <a:spcPts val="0"/>
+                        </a:spcAft>
+                        <a:buClrTx/>
+                        <a:buSzTx/>
+                        <a:buFontTx/>
+                        <a:buNone/>
+                        <a:tabLst/>
+                        <a:defRPr/>
+                      </a:pPr>
+                      <a:r>
+                        <a:rPr lang="en-US" dirty="0" smtClean="0"/>
+                        <a:t>(Jenkins)</a:t>
+                      </a:r>
+                    </a:p>
+                  </a:txBody>
+                  <a:tcPr/>
+                </a:tc>
+                <a:tc>
+                  <a:txBody>
+                    <a:bodyPr/>
+                    <a:lstStyle/>
+                    <a:p>
+                      <a:pPr marL="0" marR="0" indent="0" algn="l" defTabSz="686806" rtl="0" eaLnBrk="1" fontAlgn="auto" latinLnBrk="0" hangingPunct="1">
+                        <a:lnSpc>
+                          <a:spcPct val="100000"/>
+                        </a:lnSpc>
+                        <a:spcBef>
+                          <a:spcPts val="0"/>
+                        </a:spcBef>
+                        <a:spcAft>
+                          <a:spcPts val="0"/>
+                        </a:spcAft>
+                        <a:buClrTx/>
+                        <a:buSzTx/>
+                        <a:buFontTx/>
+                        <a:buNone/>
+                        <a:tabLst/>
+                        <a:defRPr/>
+                      </a:pPr>
+                      <a:r>
+                        <a:rPr lang="en-US" dirty="0" smtClean="0"/>
+                        <a:t>(Shippable)</a:t>
+                      </a:r>
+                      <a:endParaRPr lang="en-US" dirty="0" smtClean="0"/>
+                    </a:p>
+                  </a:txBody>
+                  <a:tcPr/>
+                </a:tc>
+              </a:tr>
+              <a:tr h="370840">
+                <a:tc>
+                  <a:txBody>
+                    <a:bodyPr/>
+                    <a:lstStyle/>
+                    <a:p>
+                      <a:endParaRPr lang="en-US" dirty="0"/>
+                    </a:p>
+                  </a:txBody>
+                  <a:tcPr/>
+                </a:tc>
+                <a:tc>
+                  <a:txBody>
+                    <a:bodyPr/>
+                    <a:lstStyle/>
+                    <a:p>
+                      <a:r>
+                        <a:rPr lang="en-US" dirty="0" smtClean="0"/>
+                        <a:t>Hypervisors</a:t>
+                      </a:r>
+                      <a:r>
+                        <a:rPr lang="en-US" baseline="0" dirty="0" smtClean="0"/>
+                        <a:t> </a:t>
+                      </a:r>
+                      <a:br>
+                        <a:rPr lang="en-US" baseline="0" dirty="0" smtClean="0"/>
+                      </a:br>
+                      <a:r>
+                        <a:rPr lang="en-US" baseline="0" dirty="0" smtClean="0"/>
+                        <a:t>(</a:t>
+                      </a:r>
+                      <a:r>
+                        <a:rPr lang="en-US" dirty="0" smtClean="0"/>
+                        <a:t>VMware)</a:t>
+                      </a:r>
+                      <a:endParaRPr lang="en-US" dirty="0"/>
+                    </a:p>
+                  </a:txBody>
+                  <a:tcPr/>
+                </a:tc>
+                <a:tc>
+                  <a:txBody>
+                    <a:bodyPr/>
+                    <a:lstStyle/>
+                    <a:p>
+                      <a:pPr marL="0" marR="0" indent="0" algn="l" defTabSz="686806" rtl="0" eaLnBrk="1" fontAlgn="auto" latinLnBrk="0" hangingPunct="1">
+                        <a:lnSpc>
+                          <a:spcPct val="100000"/>
+                        </a:lnSpc>
+                        <a:spcBef>
+                          <a:spcPts val="0"/>
+                        </a:spcBef>
+                        <a:spcAft>
+                          <a:spcPts val="0"/>
+                        </a:spcAft>
+                        <a:buClrTx/>
+                        <a:buSzTx/>
+                        <a:buFontTx/>
+                        <a:buNone/>
+                        <a:tabLst/>
+                        <a:defRPr/>
+                      </a:pPr>
+                      <a:r>
+                        <a:rPr lang="en-US" dirty="0" smtClean="0"/>
+                        <a:t>Containers</a:t>
+                      </a:r>
+                      <a:r>
+                        <a:rPr lang="en-US" baseline="0" dirty="0" smtClean="0"/>
+                        <a:t> </a:t>
+                      </a:r>
+                      <a:br>
+                        <a:rPr lang="en-US" baseline="0" dirty="0" smtClean="0"/>
+                      </a:br>
+                      <a:r>
+                        <a:rPr lang="en-US" dirty="0" smtClean="0"/>
+                        <a:t>(Docker)</a:t>
+                      </a:r>
+                      <a:endParaRPr lang="en-US" dirty="0" smtClean="0"/>
+                    </a:p>
+                  </a:txBody>
+                  <a:tcPr/>
+                </a:tc>
+              </a:tr>
+              <a:tr h="370840">
+                <a:tc>
+                  <a:txBody>
+                    <a:bodyPr/>
+                    <a:lstStyle/>
+                    <a:p>
+                      <a:r>
+                        <a:rPr lang="en-US" dirty="0" smtClean="0"/>
+                        <a:t>KVM</a:t>
+                      </a:r>
+                      <a:endParaRPr lang="en-US" dirty="0"/>
+                    </a:p>
+                  </a:txBody>
+                  <a:tcPr/>
+                </a:tc>
+                <a:tc>
+                  <a:txBody>
+                    <a:bodyPr/>
+                    <a:lstStyle/>
+                    <a:p>
+                      <a:pPr marL="0" marR="0" indent="0" algn="l" defTabSz="686806" rtl="0" eaLnBrk="1" fontAlgn="auto" latinLnBrk="0" hangingPunct="1">
+                        <a:lnSpc>
+                          <a:spcPct val="100000"/>
+                        </a:lnSpc>
+                        <a:spcBef>
+                          <a:spcPts val="0"/>
+                        </a:spcBef>
+                        <a:spcAft>
+                          <a:spcPts val="0"/>
+                        </a:spcAft>
+                        <a:buClrTx/>
+                        <a:buSzTx/>
+                        <a:buFontTx/>
+                        <a:buNone/>
+                        <a:tabLst/>
+                        <a:defRPr/>
+                      </a:pPr>
+                      <a:r>
+                        <a:rPr lang="en-US" dirty="0" smtClean="0"/>
+                        <a:t>On-premises to Cloud</a:t>
+                      </a:r>
+                      <a:endParaRPr lang="en-US" dirty="0" smtClean="0"/>
+                    </a:p>
+                  </a:txBody>
+                  <a:tcPr/>
+                </a:tc>
+                <a:tc>
+                  <a:txBody>
+                    <a:bodyPr/>
+                    <a:lstStyle/>
+                    <a:p>
+                      <a:r>
+                        <a:rPr lang="en-US" dirty="0" smtClean="0"/>
+                        <a:t>Hybrid Cloud &amp; On-premises</a:t>
+                      </a:r>
+                      <a:endParaRPr lang="en-US" dirty="0"/>
+                    </a:p>
+                  </a:txBody>
+                  <a:tcPr/>
+                </a:tc>
+              </a:tr>
+              <a:tr h="370840">
+                <a:tc>
+                  <a:txBody>
+                    <a:bodyPr/>
+                    <a:lstStyle/>
+                    <a:p>
+                      <a:endParaRPr lang="en-US"/>
+                    </a:p>
+                  </a:txBody>
+                  <a:tcPr/>
+                </a:tc>
+                <a:tc>
+                  <a:txBody>
+                    <a:bodyPr/>
+                    <a:lstStyle/>
+                    <a:p>
+                      <a:r>
+                        <a:rPr lang="it-IT" dirty="0" smtClean="0"/>
+                        <a:t>Imperative scripts</a:t>
+                      </a:r>
+                      <a:br>
+                        <a:rPr lang="it-IT" dirty="0" smtClean="0"/>
+                      </a:br>
+                      <a:r>
+                        <a:rPr lang="it-IT" dirty="0" smtClean="0"/>
+                        <a:t>(Puppet)</a:t>
+                      </a:r>
+                      <a:endParaRPr lang="en-US" dirty="0"/>
+                    </a:p>
+                  </a:txBody>
+                  <a:tcPr/>
+                </a:tc>
+                <a:tc>
+                  <a:txBody>
+                    <a:bodyPr/>
+                    <a:lstStyle/>
+                    <a:p>
+                      <a:r>
+                        <a:rPr lang="en-US" dirty="0" smtClean="0"/>
+                        <a:t>Declarative specifications</a:t>
+                      </a:r>
+                      <a:br>
+                        <a:rPr lang="en-US" dirty="0" smtClean="0"/>
+                      </a:br>
+                      <a:r>
+                        <a:rPr lang="en-US" dirty="0" smtClean="0"/>
+                        <a:t>(Ansible)</a:t>
+                      </a:r>
+                      <a:endParaRPr lang="en-US" dirty="0"/>
+                    </a:p>
+                  </a:txBody>
+                  <a:tcPr/>
+                </a:tc>
+              </a:tr>
+              <a:tr h="370840">
+                <a:tc>
+                  <a:txBody>
+                    <a:bodyPr/>
+                    <a:lstStyle/>
+                    <a:p>
+                      <a:endParaRPr lang="en-US" dirty="0"/>
+                    </a:p>
+                  </a:txBody>
+                  <a:tcPr/>
+                </a:tc>
+                <a:tc>
+                  <a:txBody>
+                    <a:bodyPr/>
+                    <a:lstStyle/>
+                    <a:p>
+                      <a:r>
+                        <a:rPr lang="en-US" dirty="0" smtClean="0"/>
+                        <a:t>Build each from</a:t>
+                      </a:r>
+                      <a:r>
+                        <a:rPr lang="en-US" baseline="0" dirty="0" smtClean="0"/>
+                        <a:t> scratch</a:t>
+                      </a:r>
+                      <a:endParaRPr lang="en-US" dirty="0"/>
+                    </a:p>
+                  </a:txBody>
+                  <a:tcPr/>
+                </a:tc>
+                <a:tc>
+                  <a:txBody>
+                    <a:bodyPr/>
+                    <a:lstStyle/>
+                    <a:p>
+                      <a:r>
+                        <a:rPr lang="en-US" dirty="0" smtClean="0"/>
+                        <a:t>(Artifactory)</a:t>
+                      </a:r>
+                      <a:endParaRPr lang="en-US" dirty="0"/>
+                    </a:p>
+                  </a:txBody>
+                  <a:tcPr/>
+                </a:tc>
+              </a:tr>
+              <a:tr h="370840">
+                <a:tc>
+                  <a:txBody>
+                    <a:bodyPr/>
+                    <a:lstStyle/>
+                    <a:p>
+                      <a:endParaRPr lang="en-US" dirty="0"/>
+                    </a:p>
+                  </a:txBody>
+                  <a:tcPr/>
+                </a:tc>
+                <a:tc>
+                  <a:txBody>
+                    <a:bodyPr/>
+                    <a:lstStyle/>
+                    <a:p>
+                      <a:r>
+                        <a:rPr lang="en-US" dirty="0" smtClean="0"/>
+                        <a:t>SSH to</a:t>
+                      </a:r>
+                      <a:r>
+                        <a:rPr lang="en-US" baseline="0" dirty="0" smtClean="0"/>
+                        <a:t> fix machines</a:t>
+                      </a:r>
+                      <a:endParaRPr lang="en-US" dirty="0"/>
+                    </a:p>
+                  </a:txBody>
+                  <a:tcPr/>
+                </a:tc>
+                <a:tc>
+                  <a:txBody>
+                    <a:bodyPr/>
+                    <a:lstStyle/>
+                    <a:p>
+                      <a:r>
+                        <a:rPr lang="en-US" dirty="0" smtClean="0"/>
+                        <a:t>SSH only to setup machines</a:t>
+                      </a:r>
+                      <a:endParaRPr lang="en-US" dirty="0"/>
+                    </a:p>
+                  </a:txBody>
+                  <a:tcPr/>
+                </a:tc>
+              </a:tr>
+            </a:tbl>
+          </a:graphicData>
+        </a:graphic>
+      </p:graphicFrame>
+    </p:spTree>
+    <p:extLst>
+      <p:ext uri="{BB962C8B-B14F-4D97-AF65-F5344CB8AC3E}">
+        <p14:creationId xmlns:p14="http://schemas.microsoft.com/office/powerpoint/2010/main" val="3862612271"/>
+      </p:ext>
+    </p:extLst>
+  </p:cSld>
+  <p:clrMapOvr>
+    <a:masterClrMapping/>
+  </p:clrMapOvr>
+</p:sld>
+</file>
+
+<file path=ppt/slides/slide3.xml><?xml version="1.0" encoding="utf-8"?>
+<p:sld xmlns:a="http://schemas.openxmlformats.org/drawingml/2006/main" xmlns:r="http://schemas.openxmlformats.org/officeDocument/2006/relationships" xmlns:p="http://schemas.openxmlformats.org/presentationml/2006/main">
+  <p:cSld>
+    <p:spTree>
+      <p:nvGrpSpPr>
+        <p:cNvPr id="1" name=""/>
+        <p:cNvGrpSpPr/>
+        <p:nvPr/>
+      </p:nvGrpSpPr>
+      <p:grpSpPr>
+        <a:xfrm>
+          <a:off x="0" y="0"/>
+          <a:ext cx="0" cy="0"/>
+          <a:chOff x="0" y="0"/>
+          <a:chExt cx="0" cy="0"/>
+        </a:xfrm>
+      </p:grpSpPr>
+      <p:sp>
+        <p:nvSpPr>
+          <p:cNvPr id="2" name="Title 1"/>
+          <p:cNvSpPr>
+            <a:spLocks noGrp="1"/>
+          </p:cNvSpPr>
+          <p:nvPr>
+            <p:ph type="title"/>
+          </p:nvPr>
+        </p:nvSpPr>
+        <p:spPr/>
+        <p:txBody>
+          <a:bodyPr/>
+          <a:lstStyle/>
+          <a:p>
             <a:r>
               <a:rPr lang="en-US" dirty="0" smtClean="0"/>
               <a:t>Keywords</a:t>
@@ -2383,7 +2924,6 @@
               <a:rPr lang="en-US" dirty="0" smtClean="0"/>
               <a:t>No SSH</a:t>
             </a:r>
-            <a:endParaRPr lang="en-US" dirty="0" smtClean="0"/>
           </a:p>
         </p:txBody>
       </p:sp>
@@ -2407,7 +2947,7 @@
 </p:sld>
 </file>
 
-<file path=ppt/slides/slide3.xml><?xml version="1.0" encoding="utf-8"?>
+<file path=ppt/slides/slide4.xml><?xml version="1.0" encoding="utf-8"?>
 <p:sld xmlns:a="http://schemas.openxmlformats.org/drawingml/2006/main" xmlns:r="http://schemas.openxmlformats.org/officeDocument/2006/relationships" xmlns:p="http://schemas.openxmlformats.org/presentationml/2006/main">
   <p:cSld>
     <p:spTree>
@@ -2759,14 +3299,7 @@
                 <a:latin typeface="Open Sans"/>
                 <a:cs typeface="Open Sans"/>
               </a:rPr>
-              <a:t>declarative </a:t>
-            </a:r>
-            <a:r>
-              <a:rPr lang="en-US" sz="1600" dirty="0" smtClean="0">
-                <a:latin typeface="Open Sans"/>
-                <a:cs typeface="Open Sans"/>
-              </a:rPr>
-              <a:t>yml</a:t>
+              <a:t>declarative yml</a:t>
             </a:r>
             <a:endParaRPr lang="en-US" sz="1600" dirty="0">
               <a:latin typeface="Open Sans"/>
@@ -2974,16 +3507,6 @@
                 <a:cs typeface="Open Sans"/>
               </a:rPr>
               <a:t> ECR (EC2 </a:t>
-            </a:r>
-            <a:r>
-              <a:rPr lang="en-US" sz="1800" dirty="0" smtClean="0">
-                <a:solidFill>
-                  <a:srgbClr val="0078C9"/>
-                </a:solidFill>
-                <a:latin typeface="Open Sans"/>
-                <a:cs typeface="Open Sans"/>
-              </a:rPr>
-              <a:t/>
             </a:r>
             <a:br>
               <a:rPr lang="en-US" sz="1800" dirty="0" smtClean="0">
@@ -3062,17 +3585,7 @@
                 <a:latin typeface="Open Sans"/>
                 <a:cs typeface="Open Sans"/>
               </a:rPr>
-              <a:t> </a:t>
-            </a:r>
-            <a:r>
-              <a:rPr lang="en-US" sz="1800" dirty="0" smtClean="0">
-                <a:solidFill>
-                  <a:srgbClr val="0078C9"/>
-                </a:solidFill>
-                <a:latin typeface="Open Sans"/>
-                <a:cs typeface="Open Sans"/>
-              </a:rPr>
-              <a:t>GKE Container Engine</a:t>
+              <a:t> GKE Container Engine</a:t>
             </a:r>
             <a:endParaRPr lang="en-US" sz="1800" dirty="0">
               <a:solidFill>
@@ -3151,17 +3664,7 @@
                 <a:latin typeface="Open Sans"/>
                 <a:cs typeface="Open Sans"/>
               </a:rPr>
-              <a:t>Container </a:t>
-            </a:r>
-            <a:r>
-              <a:rPr lang="en-US" sz="1800" dirty="0" smtClean="0">
-                <a:solidFill>
-                  <a:srgbClr val="0078C9"/>
-                </a:solidFill>
-                <a:latin typeface="Open Sans"/>
-                <a:cs typeface="Open Sans"/>
-              </a:rPr>
-              <a:t>Registry</a:t>
+              <a:t>Container Registry</a:t>
             </a:r>
             <a:endParaRPr lang="en-US" sz="1800" dirty="0">
               <a:solidFill>
@@ -3208,13 +3711,6 @@
               </a:rPr>
               <a:t>environments</a:t>
             </a:r>
-            <a:endParaRPr lang="en-US" sz="2000" b="1" u="sng" dirty="0" smtClean="0">
-              <a:solidFill>
-                <a:schemeClr val="accent3"/>
-              </a:solidFill>
-              <a:latin typeface="Open Sans"/>
-              <a:cs typeface="Open Sans"/>
-            </a:endParaRPr>
           </a:p>
         </p:txBody>
       </p:sp>
@@ -3254,17 +3750,7 @@
                 <a:latin typeface="Open Sans"/>
                 <a:cs typeface="Open Sans"/>
               </a:rPr>
-              <a:t>Prod</a:t>
-            </a:r>
-            <a:r>
-              <a:rPr lang="en-US" sz="1800" dirty="0" smtClean="0">
-                <a:solidFill>
-                  <a:schemeClr val="accent3"/>
-                </a:solidFill>
-                <a:latin typeface="Open Sans"/>
-                <a:cs typeface="Open Sans"/>
-              </a:rPr>
-              <a:t>.</a:t>
+              <a:t>Prod.</a:t>
             </a:r>
             <a:endParaRPr lang="en-US" sz="1800" dirty="0">
               <a:solidFill>
@@ -3314,13 +3800,6 @@
               </a:rPr>
               <a:t>Beta</a:t>
             </a:r>
-            <a:endParaRPr lang="en-US" sz="1800" dirty="0" smtClean="0">
-              <a:solidFill>
-                <a:schemeClr val="accent3"/>
-              </a:solidFill>
-              <a:latin typeface="Open Sans"/>
-              <a:cs typeface="Open Sans"/>
-            </a:endParaRPr>
           </a:p>
         </p:txBody>
       </p:sp>
@@ -3458,13 +3937,6 @@
               </a:rPr>
               <a:t>Google</a:t>
             </a:r>
-            <a:endParaRPr lang="en-US" sz="1800" dirty="0" smtClean="0">
-              <a:solidFill>
-                <a:schemeClr val="accent4"/>
-              </a:solidFill>
-              <a:latin typeface="Open Sans"/>
-              <a:cs typeface="Open Sans"/>
-            </a:endParaRPr>
           </a:p>
         </p:txBody>
       </p:sp>
@@ -4274,326 +4746,6 @@
 </p:sld>
 </file>
 
-<file path=ppt/slides/slide4.xml><?xml version="1.0" encoding="utf-8"?>
-<p:sld xmlns:a="http://schemas.openxmlformats.org/drawingml/2006/main" xmlns:r="http://schemas.openxmlformats.org/officeDocument/2006/relationships" xmlns:p="http://schemas.openxmlformats.org/presentationml/2006/main">
-  <p:cSld>
-    <p:spTree>
-      <p:nvGrpSpPr>
-        <p:cNvPr id="1" name=""/>
-        <p:cNvGrpSpPr/>
-        <p:nvPr/>
-      </p:nvGrpSpPr>
-      <p:grpSpPr>
-        <a:xfrm>
-          <a:off x="0" y="0"/>
-          <a:ext cx="0" cy="0"/>
-          <a:chOff x="0" y="0"/>
-          <a:chExt cx="0" cy="0"/>
-        </a:xfrm>
-      </p:grpSpPr>
-      <p:sp>
-        <p:nvSpPr>
-          <p:cNvPr id="2" name="Title 1"/>
-          <p:cNvSpPr>
-            <a:spLocks noGrp="1"/>
-          </p:cNvSpPr>
-          <p:nvPr>
-            <p:ph type="title"/>
-          </p:nvPr>
-        </p:nvSpPr>
-        <p:spPr/>
-        <p:txBody>
-          <a:bodyPr/>
-          <a:lstStyle/>
-          <a:p>
-            <a:endParaRPr lang="en-US" dirty="0"/>
-          </a:p>
-        </p:txBody>
-      </p:sp>
-      <p:sp>
-        <p:nvSpPr>
-          <p:cNvPr id="4" name="TextBox 3">
-            <a:hlinkClick r:id="rId2"/>
-          </p:cNvPr>
-          <p:cNvSpPr txBox="1"/>
-          <p:nvPr/>
-        </p:nvSpPr>
-        <p:spPr>
-          <a:xfrm>
-            <a:off x="603027" y="2375633"/>
-            <a:ext cx="2514463" cy="584776"/>
-          </a:xfrm>
-          <a:prstGeom prst="rect">
-            <a:avLst/>
-          </a:prstGeom>
-          <a:solidFill>
-            <a:schemeClr val="bg1"/>
-          </a:solidFill>
-        </p:spPr>
-        <p:txBody>
-          <a:bodyPr wrap="square" rtlCol="0">
-            <a:spAutoFit/>
-          </a:bodyPr>
-          <a:lstStyle/>
-          <a:p>
-            <a:pPr marL="285750" indent="-285750">
-              <a:buFont typeface="Arial"/>
-              <a:buChar char="•"/>
-            </a:pPr>
-            <a:r>
-              <a:rPr lang="en-US" sz="1600" dirty="0" smtClean="0">
-                <a:latin typeface="Open Sans Light"/>
-                <a:cs typeface="Open Sans Light"/>
-              </a:rPr>
-              <a:t>AWS ECS (EC2 Container Services)</a:t>
-            </a:r>
-            <a:endParaRPr lang="en-US" sz="1600" dirty="0">
-              <a:latin typeface="Open Sans Light"/>
-              <a:cs typeface="Open Sans Light"/>
-            </a:endParaRPr>
-          </a:p>
-        </p:txBody>
-      </p:sp>
-      <p:sp>
-        <p:nvSpPr>
-          <p:cNvPr id="5" name="TextBox 4">
-            <a:hlinkClick r:id="rId3"/>
-          </p:cNvPr>
-          <p:cNvSpPr txBox="1"/>
-          <p:nvPr/>
-        </p:nvSpPr>
-        <p:spPr>
-          <a:xfrm>
-            <a:off x="3820229" y="2421799"/>
-            <a:ext cx="2222316" cy="584776"/>
-          </a:xfrm>
-          <a:prstGeom prst="rect">
-            <a:avLst/>
-          </a:prstGeom>
-          <a:solidFill>
-            <a:schemeClr val="bg1"/>
-          </a:solidFill>
-        </p:spPr>
-        <p:txBody>
-          <a:bodyPr wrap="square" rtlCol="0">
-            <a:spAutoFit/>
-          </a:bodyPr>
-          <a:lstStyle/>
-          <a:p>
-            <a:pPr marL="285750" indent="-285750">
-              <a:buFont typeface="Arial"/>
-              <a:buChar char="•"/>
-            </a:pPr>
-            <a:r>
-              <a:rPr lang="en-US" sz="1600" dirty="0" smtClean="0">
-                <a:latin typeface="Open Sans Light"/>
-                <a:cs typeface="Open Sans Light"/>
-              </a:rPr>
-              <a:t>AWS ECR (EC2 Container Registry)</a:t>
-            </a:r>
-            <a:endParaRPr lang="en-US" sz="1600" dirty="0">
-              <a:latin typeface="Open Sans Light"/>
-              <a:cs typeface="Open Sans Light"/>
-            </a:endParaRPr>
-          </a:p>
-        </p:txBody>
-      </p:sp>
-      <p:sp>
-        <p:nvSpPr>
-          <p:cNvPr id="6" name="TextBox 5">
-            <a:hlinkClick r:id="rId2"/>
-          </p:cNvPr>
-          <p:cNvSpPr txBox="1"/>
-          <p:nvPr/>
-        </p:nvSpPr>
-        <p:spPr>
-          <a:xfrm>
-            <a:off x="590143" y="2968718"/>
-            <a:ext cx="2514463" cy="584776"/>
-          </a:xfrm>
-          <a:prstGeom prst="rect">
-            <a:avLst/>
-          </a:prstGeom>
-          <a:solidFill>
-            <a:schemeClr val="bg1"/>
-          </a:solidFill>
-        </p:spPr>
-        <p:txBody>
-          <a:bodyPr wrap="square" rtlCol="0">
-            <a:spAutoFit/>
-          </a:bodyPr>
-          <a:lstStyle/>
-          <a:p>
-            <a:pPr marL="285750" indent="-285750">
-              <a:buFont typeface="Arial"/>
-              <a:buChar char="•"/>
-            </a:pPr>
-            <a:r>
-              <a:rPr lang="en-US" sz="1600" dirty="0" smtClean="0">
-                <a:latin typeface="Open Sans Light"/>
-                <a:cs typeface="Open Sans Light"/>
-              </a:rPr>
-              <a:t>Google Container Services</a:t>
-            </a:r>
-            <a:endParaRPr lang="en-US" sz="1600" dirty="0">
-              <a:latin typeface="Open Sans Light"/>
-              <a:cs typeface="Open Sans Light"/>
-            </a:endParaRPr>
-          </a:p>
-        </p:txBody>
-      </p:sp>
-      <p:sp>
-        <p:nvSpPr>
-          <p:cNvPr id="7" name="TextBox 6">
-            <a:hlinkClick r:id="rId4"/>
-          </p:cNvPr>
-          <p:cNvSpPr txBox="1"/>
-          <p:nvPr/>
-        </p:nvSpPr>
-        <p:spPr>
-          <a:xfrm>
-            <a:off x="3810320" y="3006575"/>
-            <a:ext cx="2514463" cy="584776"/>
-          </a:xfrm>
-          <a:prstGeom prst="rect">
-            <a:avLst/>
-          </a:prstGeom>
-          <a:solidFill>
-            <a:schemeClr val="bg1"/>
-          </a:solidFill>
-        </p:spPr>
-        <p:txBody>
-          <a:bodyPr wrap="square" rtlCol="0">
-            <a:spAutoFit/>
-          </a:bodyPr>
-          <a:lstStyle/>
-          <a:p>
-            <a:pPr marL="285750" indent="-285750">
-              <a:buFont typeface="Arial"/>
-              <a:buChar char="•"/>
-            </a:pPr>
-            <a:r>
-              <a:rPr lang="en-US" sz="1600" dirty="0" smtClean="0">
-                <a:latin typeface="Open Sans Light"/>
-                <a:cs typeface="Open Sans Light"/>
-              </a:rPr>
-              <a:t>Google Container Registry</a:t>
-            </a:r>
-            <a:endParaRPr lang="en-US" sz="1600" dirty="0">
-              <a:latin typeface="Open Sans Light"/>
-              <a:cs typeface="Open Sans Light"/>
-            </a:endParaRPr>
-          </a:p>
-        </p:txBody>
-      </p:sp>
-      <p:sp>
-        <p:nvSpPr>
-          <p:cNvPr id="8" name="TextBox 7">
-            <a:hlinkClick r:id="rId5"/>
-          </p:cNvPr>
-          <p:cNvSpPr txBox="1"/>
-          <p:nvPr/>
-        </p:nvSpPr>
-        <p:spPr>
-          <a:xfrm>
-            <a:off x="577314" y="3551853"/>
-            <a:ext cx="2514463" cy="584776"/>
-          </a:xfrm>
-          <a:prstGeom prst="rect">
-            <a:avLst/>
-          </a:prstGeom>
-          <a:solidFill>
-            <a:schemeClr val="bg1"/>
-          </a:solidFill>
-        </p:spPr>
-        <p:txBody>
-          <a:bodyPr wrap="square" rtlCol="0">
-            <a:spAutoFit/>
-          </a:bodyPr>
-          <a:lstStyle/>
-          <a:p>
-            <a:pPr marL="285750" indent="-285750">
-              <a:buFont typeface="Arial"/>
-              <a:buChar char="•"/>
-            </a:pPr>
-            <a:r>
-              <a:rPr lang="en-US" sz="1600" dirty="0" smtClean="0">
-                <a:latin typeface="Open Sans Light"/>
-                <a:cs typeface="Open Sans Light"/>
-              </a:rPr>
-              <a:t>Azure Container Services</a:t>
-            </a:r>
-            <a:endParaRPr lang="en-US" sz="1600" dirty="0">
-              <a:latin typeface="Open Sans Light"/>
-              <a:cs typeface="Open Sans Light"/>
-            </a:endParaRPr>
-          </a:p>
-        </p:txBody>
-      </p:sp>
-      <p:sp>
-        <p:nvSpPr>
-          <p:cNvPr id="9" name="TextBox 8">
-            <a:hlinkClick r:id="rId5"/>
-          </p:cNvPr>
-          <p:cNvSpPr txBox="1"/>
-          <p:nvPr/>
-        </p:nvSpPr>
-        <p:spPr>
-          <a:xfrm>
-            <a:off x="3797491" y="3589710"/>
-            <a:ext cx="2514463" cy="584776"/>
-          </a:xfrm>
-          <a:prstGeom prst="rect">
-            <a:avLst/>
-          </a:prstGeom>
-          <a:solidFill>
-            <a:schemeClr val="bg1"/>
-          </a:solidFill>
-        </p:spPr>
-        <p:txBody>
-          <a:bodyPr wrap="square" rtlCol="0">
-            <a:spAutoFit/>
-          </a:bodyPr>
-          <a:lstStyle/>
-          <a:p>
-            <a:pPr marL="285750" indent="-285750">
-              <a:buFont typeface="Arial"/>
-              <a:buChar char="•"/>
-            </a:pPr>
-            <a:r>
-              <a:rPr lang="en-US" sz="1600" dirty="0" smtClean="0">
-                <a:latin typeface="Open Sans Light"/>
-                <a:cs typeface="Open Sans Light"/>
-              </a:rPr>
-              <a:t>Azure Container Registry</a:t>
-            </a:r>
-            <a:endParaRPr lang="en-US" sz="1600" dirty="0">
-              <a:latin typeface="Open Sans Light"/>
-              <a:cs typeface="Open Sans Light"/>
-            </a:endParaRPr>
-          </a:p>
-        </p:txBody>
-      </p:sp>
-    </p:spTree>
-    <p:extLst>
-      <p:ext uri="{BB962C8B-B14F-4D97-AF65-F5344CB8AC3E}">
-        <p14:creationId xmlns:p14="http://schemas.microsoft.com/office/powerpoint/2010/main" val="1534186549"/>
-      </p:ext>
-    </p:extLst>
-  </p:cSld>
-  <p:clrMapOvr>
-    <a:masterClrMapping/>
-  </p:clrMapOvr>
-  <p:timing>
-    <p:tnLst>
-      <p:par>
-        <p:cTn xmlns:p14="http://schemas.microsoft.com/office/powerpoint/2010/main" id="1" dur="indefinite" restart="never" nodeType="tmRoot"/>
-      </p:par>
-    </p:tnLst>
-  </p:timing>
-</p:sld>
-</file>
-
 <file path=ppt/slides/slide5.xml><?xml version="1.0" encoding="utf-8"?>
 <p:sld xmlns:a="http://schemas.openxmlformats.org/drawingml/2006/main" xmlns:r="http://schemas.openxmlformats.org/officeDocument/2006/relationships" xmlns:p="http://schemas.openxmlformats.org/presentationml/2006/main">
   <p:cSld>
@@ -4626,448 +4778,278 @@
           <a:bodyPr/>
           <a:lstStyle/>
           <a:p>
-            <a:r>
-              <a:rPr lang="en-US" dirty="0" smtClean="0"/>
-              <a:t>GitHub repos</a:t>
-            </a:r>
             <a:endParaRPr lang="en-US" dirty="0"/>
           </a:p>
         </p:txBody>
       </p:sp>
       <p:sp>
         <p:nvSpPr>
-          <p:cNvPr id="4" name="Rectangle 3"/>
-          <p:cNvSpPr/>
+          <p:cNvPr id="4" name="TextBox 3">
+            <a:hlinkClick r:id="rId2"/>
+          </p:cNvPr>
+          <p:cNvSpPr txBox="1"/>
           <p:nvPr/>
         </p:nvSpPr>
         <p:spPr>
           <a:xfrm>
-            <a:off x="4030826" y="2417862"/>
-            <a:ext cx="1351652" cy="369332"/>
+            <a:off x="603027" y="2375633"/>
+            <a:ext cx="2514463" cy="584776"/>
           </a:xfrm>
           <a:prstGeom prst="rect">
             <a:avLst/>
           </a:prstGeom>
-          <a:ln>
-            <a:solidFill>
-              <a:schemeClr val="tx1"/>
-            </a:solidFill>
-          </a:ln>
-        </p:spPr>
-        <p:txBody>
-          <a:bodyPr wrap="none">
+          <a:solidFill>
+            <a:schemeClr val="bg1"/>
+          </a:solidFill>
+        </p:spPr>
+        <p:txBody>
+          <a:bodyPr wrap="square" rtlCol="0">
             <a:spAutoFit/>
           </a:bodyPr>
           <a:lstStyle/>
           <a:p>
-            <a:r>
-              <a:rPr lang="en-US" sz="1800" dirty="0"/>
-              <a:t>micro-www</a:t>
-            </a:r>
-          </a:p>
-        </p:txBody>
-      </p:sp>
-      <p:sp>
-        <p:nvSpPr>
-          <p:cNvPr id="5" name="Rectangle 4"/>
-          <p:cNvSpPr/>
+            <a:pPr marL="285750" indent="-285750">
+              <a:buFont typeface="Arial"/>
+              <a:buChar char="•"/>
+            </a:pPr>
+            <a:r>
+              <a:rPr lang="en-US" sz="1600" dirty="0" smtClean="0">
+                <a:latin typeface="Open Sans Light"/>
+                <a:cs typeface="Open Sans Light"/>
+              </a:rPr>
+              <a:t>AWS ECS (EC2 Container Services)</a:t>
+            </a:r>
+            <a:endParaRPr lang="en-US" sz="1600" dirty="0">
+              <a:latin typeface="Open Sans Light"/>
+              <a:cs typeface="Open Sans Light"/>
+            </a:endParaRPr>
+          </a:p>
+        </p:txBody>
+      </p:sp>
+      <p:sp>
+        <p:nvSpPr>
+          <p:cNvPr id="5" name="TextBox 4">
+            <a:hlinkClick r:id="rId3"/>
+          </p:cNvPr>
+          <p:cNvSpPr txBox="1"/>
           <p:nvPr/>
         </p:nvSpPr>
         <p:spPr>
           <a:xfrm>
-            <a:off x="4623208" y="2860166"/>
-            <a:ext cx="1454470" cy="369332"/>
+            <a:off x="3820229" y="2421799"/>
+            <a:ext cx="2222316" cy="584776"/>
           </a:xfrm>
           <a:prstGeom prst="rect">
             <a:avLst/>
           </a:prstGeom>
-          <a:ln>
-            <a:solidFill>
-              <a:schemeClr val="tx1"/>
-            </a:solidFill>
-          </a:ln>
-        </p:spPr>
-        <p:txBody>
-          <a:bodyPr wrap="none">
+          <a:solidFill>
+            <a:schemeClr val="bg1"/>
+          </a:solidFill>
+        </p:spPr>
+        <p:txBody>
+          <a:bodyPr wrap="square" rtlCol="0">
             <a:spAutoFit/>
           </a:bodyPr>
           <a:lstStyle/>
           <a:p>
-            <a:r>
-              <a:rPr lang="fr-FR" sz="1800" dirty="0"/>
-              <a:t>micro-image</a:t>
-            </a:r>
-            <a:endParaRPr lang="en-US" sz="1800" dirty="0"/>
-          </a:p>
-        </p:txBody>
-      </p:sp>
-      <p:sp>
-        <p:nvSpPr>
-          <p:cNvPr id="6" name="Rectangle 5"/>
-          <p:cNvSpPr/>
+            <a:pPr marL="285750" indent="-285750">
+              <a:buFont typeface="Arial"/>
+              <a:buChar char="•"/>
+            </a:pPr>
+            <a:r>
+              <a:rPr lang="en-US" sz="1600" dirty="0" smtClean="0">
+                <a:latin typeface="Open Sans Light"/>
+                <a:cs typeface="Open Sans Light"/>
+              </a:rPr>
+              <a:t>AWS ECR (EC2 Container Registry)</a:t>
+            </a:r>
+            <a:endParaRPr lang="en-US" sz="1600" dirty="0">
+              <a:latin typeface="Open Sans Light"/>
+              <a:cs typeface="Open Sans Light"/>
+            </a:endParaRPr>
+          </a:p>
+        </p:txBody>
+      </p:sp>
+      <p:sp>
+        <p:nvSpPr>
+          <p:cNvPr id="6" name="TextBox 5">
+            <a:hlinkClick r:id="rId2"/>
+          </p:cNvPr>
+          <p:cNvSpPr txBox="1"/>
           <p:nvPr/>
         </p:nvSpPr>
         <p:spPr>
           <a:xfrm>
-            <a:off x="4495169" y="1984395"/>
-            <a:ext cx="1582509" cy="369332"/>
+            <a:off x="590143" y="2968718"/>
+            <a:ext cx="2514463" cy="584776"/>
           </a:xfrm>
           <a:prstGeom prst="rect">
             <a:avLst/>
           </a:prstGeom>
-          <a:ln>
-            <a:solidFill>
-              <a:schemeClr val="tx1"/>
-            </a:solidFill>
-          </a:ln>
-        </p:spPr>
-        <p:txBody>
-          <a:bodyPr wrap="none">
+          <a:solidFill>
+            <a:schemeClr val="bg1"/>
+          </a:solidFill>
+        </p:spPr>
+        <p:txBody>
+          <a:bodyPr wrap="square" rtlCol="0">
             <a:spAutoFit/>
           </a:bodyPr>
           <a:lstStyle/>
           <a:p>
-            <a:r>
-              <a:rPr lang="en-US" sz="1800" dirty="0"/>
-              <a:t>micro-smoker</a:t>
-            </a:r>
-          </a:p>
-        </p:txBody>
-      </p:sp>
-      <p:sp>
-        <p:nvSpPr>
-          <p:cNvPr id="7" name="Rectangle 6"/>
-          <p:cNvSpPr/>
+            <a:pPr marL="285750" indent="-285750">
+              <a:buFont typeface="Arial"/>
+              <a:buChar char="•"/>
+            </a:pPr>
+            <a:r>
+              <a:rPr lang="en-US" sz="1600" dirty="0" smtClean="0">
+                <a:latin typeface="Open Sans Light"/>
+                <a:cs typeface="Open Sans Light"/>
+              </a:rPr>
+              <a:t>Google Container Services</a:t>
+            </a:r>
+            <a:endParaRPr lang="en-US" sz="1600" dirty="0">
+              <a:latin typeface="Open Sans Light"/>
+              <a:cs typeface="Open Sans Light"/>
+            </a:endParaRPr>
+          </a:p>
+        </p:txBody>
+      </p:sp>
+      <p:sp>
+        <p:nvSpPr>
+          <p:cNvPr id="7" name="TextBox 6">
+            <a:hlinkClick r:id="rId4"/>
+          </p:cNvPr>
+          <p:cNvSpPr txBox="1"/>
           <p:nvPr/>
         </p:nvSpPr>
         <p:spPr>
           <a:xfrm>
-            <a:off x="5427447" y="2417799"/>
-            <a:ext cx="1133806" cy="369332"/>
+            <a:off x="3810320" y="3006575"/>
+            <a:ext cx="2514463" cy="584776"/>
           </a:xfrm>
           <a:prstGeom prst="rect">
             <a:avLst/>
           </a:prstGeom>
-          <a:ln>
-            <a:solidFill>
-              <a:schemeClr val="tx1"/>
-            </a:solidFill>
-          </a:ln>
-        </p:spPr>
-        <p:txBody>
-          <a:bodyPr wrap="none">
+          <a:solidFill>
+            <a:schemeClr val="bg1"/>
+          </a:solidFill>
+        </p:spPr>
+        <p:txBody>
+          <a:bodyPr wrap="square" rtlCol="0">
             <a:spAutoFit/>
           </a:bodyPr>
           <a:lstStyle/>
           <a:p>
-            <a:r>
-              <a:rPr lang="fr-FR" sz="1800" dirty="0" smtClean="0"/>
-              <a:t>micro-api</a:t>
-            </a:r>
-            <a:endParaRPr lang="en-US" sz="1800" dirty="0"/>
-          </a:p>
-        </p:txBody>
-      </p:sp>
-      <p:sp>
-        <p:nvSpPr>
-          <p:cNvPr id="8" name="Rectangle 7"/>
-          <p:cNvSpPr/>
+            <a:pPr marL="285750" indent="-285750">
+              <a:buFont typeface="Arial"/>
+              <a:buChar char="•"/>
+            </a:pPr>
+            <a:r>
+              <a:rPr lang="en-US" sz="1600" dirty="0" smtClean="0">
+                <a:latin typeface="Open Sans Light"/>
+                <a:cs typeface="Open Sans Light"/>
+              </a:rPr>
+              <a:t>Google Container Registry</a:t>
+            </a:r>
+            <a:endParaRPr lang="en-US" sz="1600" dirty="0">
+              <a:latin typeface="Open Sans Light"/>
+              <a:cs typeface="Open Sans Light"/>
+            </a:endParaRPr>
+          </a:p>
+        </p:txBody>
+      </p:sp>
+      <p:sp>
+        <p:nvSpPr>
+          <p:cNvPr id="8" name="TextBox 7">
+            <a:hlinkClick r:id="rId5"/>
+          </p:cNvPr>
+          <p:cNvSpPr txBox="1"/>
           <p:nvPr/>
         </p:nvSpPr>
         <p:spPr>
           <a:xfrm>
-            <a:off x="6971409" y="2903735"/>
-            <a:ext cx="985442" cy="369332"/>
+            <a:off x="577314" y="3551853"/>
+            <a:ext cx="2514463" cy="584776"/>
           </a:xfrm>
           <a:prstGeom prst="rect">
             <a:avLst/>
           </a:prstGeom>
-          <a:ln>
-            <a:solidFill>
-              <a:schemeClr val="tx1"/>
-            </a:solidFill>
-          </a:ln>
-        </p:spPr>
-        <p:txBody>
-          <a:bodyPr wrap="square">
+          <a:solidFill>
+            <a:schemeClr val="bg1"/>
+          </a:solidFill>
+        </p:spPr>
+        <p:txBody>
+          <a:bodyPr wrap="square" rtlCol="0">
             <a:spAutoFit/>
           </a:bodyPr>
           <a:lstStyle/>
           <a:p>
-            <a:pPr algn="ctr"/>
-            <a:r>
-              <a:rPr lang="en-US" sz="1800" dirty="0" smtClean="0"/>
-              <a:t>box</a:t>
-            </a:r>
-            <a:endParaRPr lang="en-US" sz="1800" dirty="0"/>
-          </a:p>
-        </p:txBody>
-      </p:sp>
-      <p:sp>
-        <p:nvSpPr>
-          <p:cNvPr id="9" name="Rectangle 8"/>
-          <p:cNvSpPr/>
+            <a:pPr marL="285750" indent="-285750">
+              <a:buFont typeface="Arial"/>
+              <a:buChar char="•"/>
+            </a:pPr>
+            <a:r>
+              <a:rPr lang="en-US" sz="1600" dirty="0" smtClean="0">
+                <a:latin typeface="Open Sans Light"/>
+                <a:cs typeface="Open Sans Light"/>
+              </a:rPr>
+              <a:t>Azure Container Services</a:t>
+            </a:r>
+            <a:endParaRPr lang="en-US" sz="1600" dirty="0">
+              <a:latin typeface="Open Sans Light"/>
+              <a:cs typeface="Open Sans Light"/>
+            </a:endParaRPr>
+          </a:p>
+        </p:txBody>
+      </p:sp>
+      <p:sp>
+        <p:nvSpPr>
+          <p:cNvPr id="9" name="TextBox 8">
+            <a:hlinkClick r:id="rId5"/>
+          </p:cNvPr>
+          <p:cNvSpPr txBox="1"/>
           <p:nvPr/>
         </p:nvSpPr>
         <p:spPr>
           <a:xfrm>
-            <a:off x="6989274" y="3924718"/>
-            <a:ext cx="985442" cy="307777"/>
+            <a:off x="3797491" y="3589710"/>
+            <a:ext cx="2514463" cy="584776"/>
           </a:xfrm>
           <a:prstGeom prst="rect">
             <a:avLst/>
           </a:prstGeom>
-        </p:spPr>
-        <p:txBody>
-          <a:bodyPr wrap="square">
+          <a:solidFill>
+            <a:schemeClr val="bg1"/>
+          </a:solidFill>
+        </p:spPr>
+        <p:txBody>
+          <a:bodyPr wrap="square" rtlCol="0">
             <a:spAutoFit/>
           </a:bodyPr>
           <a:lstStyle/>
           <a:p>
-            <a:pPr algn="ctr"/>
-            <a:r>
-              <a:rPr lang="en-US" dirty="0" smtClean="0"/>
-              <a:t>database</a:t>
-            </a:r>
-            <a:endParaRPr lang="en-US" dirty="0"/>
-          </a:p>
-        </p:txBody>
-      </p:sp>
-      <p:sp>
-        <p:nvSpPr>
-          <p:cNvPr id="10" name="Rectangle 9"/>
-          <p:cNvSpPr/>
-          <p:nvPr/>
-        </p:nvSpPr>
-        <p:spPr>
-          <a:xfrm>
-            <a:off x="6900551" y="1930480"/>
-            <a:ext cx="985442" cy="369332"/>
-          </a:xfrm>
-          <a:prstGeom prst="rect">
-            <a:avLst/>
-          </a:prstGeom>
-          <a:ln>
-            <a:solidFill>
-              <a:schemeClr val="tx1"/>
-            </a:solidFill>
-          </a:ln>
-        </p:spPr>
-        <p:txBody>
-          <a:bodyPr wrap="square">
-            <a:spAutoFit/>
-          </a:bodyPr>
-          <a:lstStyle/>
-          <a:p>
-            <a:pPr algn="ctr"/>
-            <a:r>
-              <a:rPr lang="en-US" sz="1800" dirty="0" smtClean="0"/>
-              <a:t>dv</a:t>
-            </a:r>
-            <a:endParaRPr lang="en-US" sz="1800" dirty="0"/>
-          </a:p>
-        </p:txBody>
-      </p:sp>
-      <p:pic>
-        <p:nvPicPr>
-          <p:cNvPr id="12" name="Picture 11"/>
-          <p:cNvPicPr>
-            <a:picLocks noChangeAspect="1"/>
-          </p:cNvPicPr>
-          <p:nvPr/>
-        </p:nvPicPr>
-        <p:blipFill>
-          <a:blip r:embed="rId2">
-            <a:extLst>
-              <a:ext uri="{28A0092B-C50C-407E-A947-70E740481C1C}">
-                <a14:useLocalDpi xmlns:a14="http://schemas.microsoft.com/office/drawing/2010/main" val="0"/>
-              </a:ext>
-            </a:extLst>
-          </a:blip>
-          <a:stretch>
-            <a:fillRect/>
-          </a:stretch>
-        </p:blipFill>
-        <p:spPr>
-          <a:xfrm>
-            <a:off x="7008608" y="675132"/>
-            <a:ext cx="731520" cy="707136"/>
-          </a:xfrm>
-          <a:prstGeom prst="rect">
-            <a:avLst/>
-          </a:prstGeom>
-        </p:spPr>
-      </p:pic>
-      <p:cxnSp>
-        <p:nvCxnSpPr>
-          <p:cNvPr id="16" name="Straight Connector 15"/>
-          <p:cNvCxnSpPr>
-            <a:stCxn id="10" idx="0"/>
-            <a:endCxn id="12" idx="2"/>
-          </p:cNvCxnSpPr>
-          <p:nvPr/>
-        </p:nvCxnSpPr>
-        <p:spPr>
-          <a:xfrm flipH="1" flipV="1">
-            <a:off x="7374368" y="1382268"/>
-            <a:ext cx="18904" cy="548212"/>
-          </a:xfrm>
-          <a:prstGeom prst="line">
-            <a:avLst/>
-          </a:prstGeom>
-          <a:ln>
-            <a:solidFill>
-              <a:schemeClr val="tx1"/>
-            </a:solidFill>
-            <a:tailEnd type="triangle" w="lg"/>
-          </a:ln>
-        </p:spPr>
-        <p:style>
-          <a:lnRef idx="1">
-            <a:schemeClr val="accent1"/>
-          </a:lnRef>
-          <a:fillRef idx="0">
-            <a:schemeClr val="accent1"/>
-          </a:fillRef>
-          <a:effectRef idx="0">
-            <a:schemeClr val="accent1"/>
-          </a:effectRef>
-          <a:fontRef idx="minor">
-            <a:schemeClr val="tx1"/>
-          </a:fontRef>
-        </p:style>
-      </p:cxnSp>
-      <p:sp>
-        <p:nvSpPr>
-          <p:cNvPr id="20" name="Rectangle 19"/>
-          <p:cNvSpPr/>
-          <p:nvPr/>
-        </p:nvSpPr>
-        <p:spPr>
-          <a:xfrm>
-            <a:off x="7393272" y="1513643"/>
-            <a:ext cx="1394718" cy="307777"/>
-          </a:xfrm>
-          <a:prstGeom prst="rect">
-            <a:avLst/>
-          </a:prstGeom>
-        </p:spPr>
-        <p:txBody>
-          <a:bodyPr wrap="square">
-            <a:spAutoFit/>
-          </a:bodyPr>
-          <a:lstStyle/>
-          <a:p>
-            <a:r>
-              <a:rPr lang="en-US" i="1" dirty="0" smtClean="0"/>
-              <a:t>visualization</a:t>
-            </a:r>
-            <a:endParaRPr lang="en-US" i="1" dirty="0"/>
-          </a:p>
-        </p:txBody>
-      </p:sp>
-      <p:cxnSp>
-        <p:nvCxnSpPr>
-          <p:cNvPr id="21" name="Straight Connector 20"/>
-          <p:cNvCxnSpPr>
-            <a:stCxn id="8" idx="2"/>
-            <a:endCxn id="9" idx="0"/>
-          </p:cNvCxnSpPr>
-          <p:nvPr/>
-        </p:nvCxnSpPr>
-        <p:spPr>
-          <a:xfrm>
-            <a:off x="7464130" y="3273067"/>
-            <a:ext cx="17865" cy="651651"/>
-          </a:xfrm>
-          <a:prstGeom prst="line">
-            <a:avLst/>
-          </a:prstGeom>
-          <a:ln>
-            <a:solidFill>
-              <a:schemeClr val="tx1"/>
-            </a:solidFill>
-            <a:tailEnd type="triangle" w="lg"/>
-          </a:ln>
-        </p:spPr>
-        <p:style>
-          <a:lnRef idx="1">
-            <a:schemeClr val="accent1"/>
-          </a:lnRef>
-          <a:fillRef idx="0">
-            <a:schemeClr val="accent1"/>
-          </a:fillRef>
-          <a:effectRef idx="0">
-            <a:schemeClr val="accent1"/>
-          </a:effectRef>
-          <a:fontRef idx="minor">
-            <a:schemeClr val="tx1"/>
-          </a:fontRef>
-        </p:style>
-      </p:cxnSp>
-      <p:sp>
-        <p:nvSpPr>
-          <p:cNvPr id="22" name="Rectangle 21"/>
-          <p:cNvSpPr/>
-          <p:nvPr/>
-        </p:nvSpPr>
-        <p:spPr>
-          <a:xfrm>
-            <a:off x="7456908" y="3428609"/>
-            <a:ext cx="1394718" cy="307777"/>
-          </a:xfrm>
-          <a:prstGeom prst="rect">
-            <a:avLst/>
-          </a:prstGeom>
-        </p:spPr>
-        <p:txBody>
-          <a:bodyPr wrap="square">
-            <a:spAutoFit/>
-          </a:bodyPr>
-          <a:lstStyle/>
-          <a:p>
-            <a:r>
-              <a:rPr lang="en-US" i="1" dirty="0" smtClean="0"/>
-              <a:t>cron</a:t>
-            </a:r>
-            <a:endParaRPr lang="en-US" i="1" dirty="0"/>
-          </a:p>
-        </p:txBody>
-      </p:sp>
-      <p:sp>
-        <p:nvSpPr>
-          <p:cNvPr id="26" name="Rectangle 25"/>
-          <p:cNvSpPr/>
-          <p:nvPr/>
-        </p:nvSpPr>
-        <p:spPr>
-          <a:xfrm>
-            <a:off x="7008608" y="4333683"/>
-            <a:ext cx="985442" cy="307777"/>
-          </a:xfrm>
-          <a:prstGeom prst="rect">
-            <a:avLst/>
-          </a:prstGeom>
-        </p:spPr>
-        <p:txBody>
-          <a:bodyPr wrap="square">
-            <a:spAutoFit/>
-          </a:bodyPr>
-          <a:lstStyle/>
-          <a:p>
-            <a:pPr algn="ctr"/>
-            <a:r>
-              <a:rPr lang="en-US" dirty="0" err="1" smtClean="0"/>
-              <a:t>mlab.com</a:t>
-            </a:r>
-            <a:endParaRPr lang="en-US" dirty="0"/>
+            <a:pPr marL="285750" indent="-285750">
+              <a:buFont typeface="Arial"/>
+              <a:buChar char="•"/>
+            </a:pPr>
+            <a:r>
+              <a:rPr lang="en-US" sz="1600" dirty="0" smtClean="0">
+                <a:latin typeface="Open Sans Light"/>
+                <a:cs typeface="Open Sans Light"/>
+              </a:rPr>
+              <a:t>Azure Container Registry</a:t>
+            </a:r>
+            <a:endParaRPr lang="en-US" sz="1600" dirty="0">
+              <a:latin typeface="Open Sans Light"/>
+              <a:cs typeface="Open Sans Light"/>
+            </a:endParaRPr>
           </a:p>
         </p:txBody>
       </p:sp>
     </p:spTree>
     <p:extLst>
       <p:ext uri="{BB962C8B-B14F-4D97-AF65-F5344CB8AC3E}">
-        <p14:creationId xmlns:p14="http://schemas.microsoft.com/office/powerpoint/2010/main" val="1000340373"/>
+        <p14:creationId xmlns:p14="http://schemas.microsoft.com/office/powerpoint/2010/main" val="1534186549"/>
       </p:ext>
     </p:extLst>
   </p:cSld>
@@ -5116,342 +5098,461 @@
           <a:bodyPr/>
           <a:lstStyle/>
           <a:p>
+            <a:r>
+              <a:rPr lang="en-US" dirty="0" smtClean="0"/>
+              <a:t>GitHub repos</a:t>
+            </a:r>
             <a:endParaRPr lang="en-US" dirty="0"/>
           </a:p>
         </p:txBody>
       </p:sp>
-      <p:graphicFrame>
-        <p:nvGraphicFramePr>
-          <p:cNvPr id="4" name="Content Placeholder 3"/>
-          <p:cNvGraphicFramePr>
-            <a:graphicFrameLocks noGrp="1"/>
-          </p:cNvGraphicFramePr>
-          <p:nvPr>
-            <p:ph idx="1"/>
-            <p:extLst>
-              <p:ext uri="{D42A27DB-BD31-4B8C-83A1-F6EECF244321}">
-                <p14:modId xmlns:p14="http://schemas.microsoft.com/office/powerpoint/2010/main" val="1899800895"/>
-              </p:ext>
-            </p:extLst>
-          </p:nvPr>
-        </p:nvGraphicFramePr>
-        <p:xfrm>
-          <a:off x="628650" y="1028700"/>
-          <a:ext cx="8147049" cy="2225040"/>
-        </p:xfrm>
-        <a:graphic>
-          <a:graphicData uri="http://schemas.openxmlformats.org/drawingml/2006/table">
-            <a:tbl>
-              <a:tblPr firstRow="1" bandRow="1">
-                <a:tableStyleId>{5C22544A-7EE6-4342-B048-85BDC9FD1C3A}</a:tableStyleId>
-              </a:tblPr>
-              <a:tblGrid>
-                <a:gridCol w="2715683"/>
-                <a:gridCol w="2715683"/>
-                <a:gridCol w="2715683"/>
-              </a:tblGrid>
-              <a:tr h="370840">
-                <a:tc>
-                  <a:txBody>
-                    <a:bodyPr/>
-                    <a:lstStyle/>
-                    <a:p>
-                      <a:r>
-                        <a:rPr lang="en-US" dirty="0" err="1" smtClean="0"/>
-                        <a:t>Dev</a:t>
-                      </a:r>
-                      <a:r>
-                        <a:rPr lang="en-US" dirty="0" smtClean="0"/>
-                        <a:t> vs. Ops</a:t>
-                      </a:r>
-                      <a:endParaRPr lang="en-US" dirty="0"/>
-                    </a:p>
-                  </a:txBody>
-                  <a:tcPr/>
-                </a:tc>
-                <a:tc>
-                  <a:txBody>
-                    <a:bodyPr/>
-                    <a:lstStyle/>
-                    <a:p>
-                      <a:r>
-                        <a:rPr lang="en-US" dirty="0" err="1" smtClean="0"/>
-                        <a:t>DevOps</a:t>
-                      </a:r>
-                      <a:r>
-                        <a:rPr lang="en-US" dirty="0" smtClean="0"/>
-                        <a:t> 1.0</a:t>
-                      </a:r>
-                      <a:endParaRPr lang="en-US" dirty="0"/>
-                    </a:p>
-                  </a:txBody>
-                  <a:tcPr/>
-                </a:tc>
-                <a:tc>
-                  <a:txBody>
-                    <a:bodyPr/>
-                    <a:lstStyle/>
-                    <a:p>
-                      <a:r>
-                        <a:rPr lang="en-US" dirty="0" err="1" smtClean="0"/>
-                        <a:t>DevOps</a:t>
-                      </a:r>
-                      <a:r>
-                        <a:rPr lang="en-US" dirty="0" smtClean="0"/>
-                        <a:t> 2.0</a:t>
-                      </a:r>
-                      <a:endParaRPr lang="en-US" dirty="0"/>
-                    </a:p>
-                  </a:txBody>
-                  <a:tcPr/>
-                </a:tc>
-              </a:tr>
-              <a:tr h="370840">
-                <a:tc>
-                  <a:txBody>
-                    <a:bodyPr/>
-                    <a:lstStyle/>
-                    <a:p>
-                      <a:r>
-                        <a:rPr lang="en-US" dirty="0" smtClean="0"/>
-                        <a:t>Central</a:t>
-                      </a:r>
-                      <a:endParaRPr lang="en-US" dirty="0"/>
-                    </a:p>
-                  </a:txBody>
-                  <a:tcPr/>
-                </a:tc>
-                <a:tc>
-                  <a:txBody>
-                    <a:bodyPr/>
-                    <a:lstStyle/>
-                    <a:p>
-                      <a:r>
-                        <a:rPr lang="en-US" dirty="0" smtClean="0"/>
-                        <a:t>GitHub</a:t>
-                      </a:r>
-                      <a:endParaRPr lang="en-US" dirty="0"/>
-                    </a:p>
-                  </a:txBody>
-                  <a:tcPr/>
-                </a:tc>
-                <a:tc>
-                  <a:txBody>
-                    <a:bodyPr/>
-                    <a:lstStyle/>
-                    <a:p>
-                      <a:r>
-                        <a:rPr lang="en-US" dirty="0" smtClean="0"/>
-                        <a:t>GitHub</a:t>
-                      </a:r>
-                      <a:endParaRPr lang="en-US" dirty="0"/>
-                    </a:p>
-                  </a:txBody>
-                  <a:tcPr/>
-                </a:tc>
-              </a:tr>
-              <a:tr h="370840">
-                <a:tc>
-                  <a:txBody>
-                    <a:bodyPr/>
-                    <a:lstStyle/>
-                    <a:p>
-                      <a:endParaRPr lang="en-US" dirty="0"/>
-                    </a:p>
-                  </a:txBody>
-                  <a:tcPr/>
-                </a:tc>
-                <a:tc>
-                  <a:txBody>
-                    <a:bodyPr/>
-                    <a:lstStyle/>
-                    <a:p>
-                      <a:r>
-                        <a:rPr lang="en-US" dirty="0" err="1" smtClean="0"/>
-                        <a:t>Heroku</a:t>
-                      </a:r>
-                      <a:endParaRPr lang="en-US" dirty="0"/>
-                    </a:p>
-                  </a:txBody>
-                  <a:tcPr/>
-                </a:tc>
-                <a:tc>
-                  <a:txBody>
-                    <a:bodyPr/>
-                    <a:lstStyle/>
-                    <a:p>
-                      <a:pPr marL="0" marR="0" indent="0" algn="l" defTabSz="686806" rtl="0" eaLnBrk="1" fontAlgn="auto" latinLnBrk="0" hangingPunct="1">
-                        <a:lnSpc>
-                          <a:spcPct val="100000"/>
-                        </a:lnSpc>
-                        <a:spcBef>
-                          <a:spcPts val="0"/>
-                        </a:spcBef>
-                        <a:spcAft>
-                          <a:spcPts val="0"/>
-                        </a:spcAft>
-                        <a:buClrTx/>
-                        <a:buSzTx/>
-                        <a:buFontTx/>
-                        <a:buNone/>
-                        <a:tabLst/>
-                        <a:defRPr/>
-                      </a:pPr>
-                      <a:r>
-                        <a:rPr lang="en-US" dirty="0" smtClean="0"/>
-                        <a:t>Docker (dot cloud)</a:t>
-                      </a:r>
-                    </a:p>
-                  </a:txBody>
-                  <a:tcPr/>
-                </a:tc>
-              </a:tr>
-              <a:tr h="370840">
-                <a:tc>
-                  <a:txBody>
-                    <a:bodyPr/>
-                    <a:lstStyle/>
-                    <a:p>
-                      <a:r>
-                        <a:rPr lang="en-US" dirty="0" smtClean="0"/>
-                        <a:t>KVM</a:t>
-                      </a:r>
-                      <a:endParaRPr lang="en-US" dirty="0"/>
-                    </a:p>
-                  </a:txBody>
-                  <a:tcPr/>
-                </a:tc>
-                <a:tc>
-                  <a:txBody>
-                    <a:bodyPr/>
-                    <a:lstStyle/>
-                    <a:p>
-                      <a:pPr marL="0" marR="0" indent="0" algn="l" defTabSz="686806" rtl="0" eaLnBrk="1" fontAlgn="auto" latinLnBrk="0" hangingPunct="1">
-                        <a:lnSpc>
-                          <a:spcPct val="100000"/>
-                        </a:lnSpc>
-                        <a:spcBef>
-                          <a:spcPts val="0"/>
-                        </a:spcBef>
-                        <a:spcAft>
-                          <a:spcPts val="0"/>
-                        </a:spcAft>
-                        <a:buClrTx/>
-                        <a:buSzTx/>
-                        <a:buFontTx/>
-                        <a:buNone/>
-                        <a:tabLst/>
-                        <a:defRPr/>
-                      </a:pPr>
-                      <a:r>
-                        <a:rPr lang="en-US" dirty="0" smtClean="0"/>
-                        <a:t>VMware</a:t>
-                      </a:r>
-                    </a:p>
-                  </a:txBody>
-                  <a:tcPr/>
-                </a:tc>
-                <a:tc>
-                  <a:txBody>
-                    <a:bodyPr/>
-                    <a:lstStyle/>
-                    <a:p>
-                      <a:r>
-                        <a:rPr lang="en-US" dirty="0" smtClean="0"/>
-                        <a:t>Cloud</a:t>
-                      </a:r>
-                      <a:endParaRPr lang="en-US" dirty="0"/>
-                    </a:p>
-                  </a:txBody>
-                  <a:tcPr/>
-                </a:tc>
-              </a:tr>
-              <a:tr h="370840">
-                <a:tc>
-                  <a:txBody>
-                    <a:bodyPr/>
-                    <a:lstStyle/>
-                    <a:p>
-                      <a:endParaRPr lang="en-US"/>
-                    </a:p>
-                  </a:txBody>
-                  <a:tcPr/>
-                </a:tc>
-                <a:tc>
-                  <a:txBody>
-                    <a:bodyPr/>
-                    <a:lstStyle/>
-                    <a:p>
-                      <a:r>
-                        <a:rPr lang="it-IT" dirty="0" smtClean="0"/>
-                        <a:t>imperative</a:t>
-                      </a:r>
-                      <a:endParaRPr lang="en-US" dirty="0"/>
-                    </a:p>
-                  </a:txBody>
-                  <a:tcPr/>
-                </a:tc>
-                <a:tc>
-                  <a:txBody>
-                    <a:bodyPr/>
-                    <a:lstStyle/>
-                    <a:p>
-                      <a:r>
-                        <a:rPr lang="en-US" dirty="0" smtClean="0"/>
-                        <a:t>Declarative</a:t>
-                      </a:r>
-                      <a:endParaRPr lang="en-US" dirty="0"/>
-                    </a:p>
-                  </a:txBody>
-                  <a:tcPr/>
-                </a:tc>
-              </a:tr>
-              <a:tr h="370840">
-                <a:tc>
-                  <a:txBody>
-                    <a:bodyPr/>
-                    <a:lstStyle/>
-                    <a:p>
-                      <a:endParaRPr lang="en-US"/>
-                    </a:p>
-                  </a:txBody>
-                  <a:tcPr/>
-                </a:tc>
-                <a:tc>
-                  <a:txBody>
-                    <a:bodyPr/>
-                    <a:lstStyle/>
-                    <a:p>
-                      <a:endParaRPr lang="en-US"/>
-                    </a:p>
-                  </a:txBody>
-                  <a:tcPr/>
-                </a:tc>
-                <a:tc>
-                  <a:txBody>
-                    <a:bodyPr/>
-                    <a:lstStyle/>
-                    <a:p>
-                      <a:endParaRPr lang="en-US"/>
-                    </a:p>
-                  </a:txBody>
-                  <a:tcPr/>
-                </a:tc>
-              </a:tr>
-            </a:tbl>
-          </a:graphicData>
-        </a:graphic>
-      </p:graphicFrame>
+      <p:sp>
+        <p:nvSpPr>
+          <p:cNvPr id="4" name="Rectangle 3"/>
+          <p:cNvSpPr/>
+          <p:nvPr/>
+        </p:nvSpPr>
+        <p:spPr>
+          <a:xfrm>
+            <a:off x="4030826" y="2417862"/>
+            <a:ext cx="1351652" cy="369332"/>
+          </a:xfrm>
+          <a:prstGeom prst="rect">
+            <a:avLst/>
+          </a:prstGeom>
+          <a:ln>
+            <a:solidFill>
+              <a:schemeClr val="tx1"/>
+            </a:solidFill>
+          </a:ln>
+        </p:spPr>
+        <p:txBody>
+          <a:bodyPr wrap="none">
+            <a:spAutoFit/>
+          </a:bodyPr>
+          <a:lstStyle/>
+          <a:p>
+            <a:r>
+              <a:rPr lang="en-US" sz="1800" dirty="0"/>
+              <a:t>micro-www</a:t>
+            </a:r>
+          </a:p>
+        </p:txBody>
+      </p:sp>
+      <p:sp>
+        <p:nvSpPr>
+          <p:cNvPr id="5" name="Rectangle 4"/>
+          <p:cNvSpPr/>
+          <p:nvPr/>
+        </p:nvSpPr>
+        <p:spPr>
+          <a:xfrm>
+            <a:off x="4623208" y="2860166"/>
+            <a:ext cx="1454470" cy="369332"/>
+          </a:xfrm>
+          <a:prstGeom prst="rect">
+            <a:avLst/>
+          </a:prstGeom>
+          <a:ln>
+            <a:solidFill>
+              <a:schemeClr val="tx1"/>
+            </a:solidFill>
+          </a:ln>
+        </p:spPr>
+        <p:txBody>
+          <a:bodyPr wrap="none">
+            <a:spAutoFit/>
+          </a:bodyPr>
+          <a:lstStyle/>
+          <a:p>
+            <a:r>
+              <a:rPr lang="fr-FR" sz="1800" dirty="0"/>
+              <a:t>micro-image</a:t>
+            </a:r>
+            <a:endParaRPr lang="en-US" sz="1800" dirty="0"/>
+          </a:p>
+        </p:txBody>
+      </p:sp>
+      <p:sp>
+        <p:nvSpPr>
+          <p:cNvPr id="6" name="Rectangle 5"/>
+          <p:cNvSpPr/>
+          <p:nvPr/>
+        </p:nvSpPr>
+        <p:spPr>
+          <a:xfrm>
+            <a:off x="4495169" y="1984395"/>
+            <a:ext cx="1582509" cy="369332"/>
+          </a:xfrm>
+          <a:prstGeom prst="rect">
+            <a:avLst/>
+          </a:prstGeom>
+          <a:ln>
+            <a:solidFill>
+              <a:schemeClr val="tx1"/>
+            </a:solidFill>
+          </a:ln>
+        </p:spPr>
+        <p:txBody>
+          <a:bodyPr wrap="none">
+            <a:spAutoFit/>
+          </a:bodyPr>
+          <a:lstStyle/>
+          <a:p>
+            <a:r>
+              <a:rPr lang="en-US" sz="1800" dirty="0"/>
+              <a:t>micro-smoker</a:t>
+            </a:r>
+          </a:p>
+        </p:txBody>
+      </p:sp>
+      <p:sp>
+        <p:nvSpPr>
+          <p:cNvPr id="7" name="Rectangle 6"/>
+          <p:cNvSpPr/>
+          <p:nvPr/>
+        </p:nvSpPr>
+        <p:spPr>
+          <a:xfrm>
+            <a:off x="5427447" y="2417799"/>
+            <a:ext cx="1133806" cy="369332"/>
+          </a:xfrm>
+          <a:prstGeom prst="rect">
+            <a:avLst/>
+          </a:prstGeom>
+          <a:ln>
+            <a:solidFill>
+              <a:schemeClr val="tx1"/>
+            </a:solidFill>
+          </a:ln>
+        </p:spPr>
+        <p:txBody>
+          <a:bodyPr wrap="none">
+            <a:spAutoFit/>
+          </a:bodyPr>
+          <a:lstStyle/>
+          <a:p>
+            <a:r>
+              <a:rPr lang="fr-FR" sz="1800" dirty="0" smtClean="0"/>
+              <a:t>micro-api</a:t>
+            </a:r>
+            <a:endParaRPr lang="en-US" sz="1800" dirty="0"/>
+          </a:p>
+        </p:txBody>
+      </p:sp>
+      <p:sp>
+        <p:nvSpPr>
+          <p:cNvPr id="8" name="Rectangle 7"/>
+          <p:cNvSpPr/>
+          <p:nvPr/>
+        </p:nvSpPr>
+        <p:spPr>
+          <a:xfrm>
+            <a:off x="6971409" y="2903735"/>
+            <a:ext cx="985442" cy="369332"/>
+          </a:xfrm>
+          <a:prstGeom prst="rect">
+            <a:avLst/>
+          </a:prstGeom>
+          <a:ln>
+            <a:solidFill>
+              <a:schemeClr val="tx1"/>
+            </a:solidFill>
+          </a:ln>
+        </p:spPr>
+        <p:txBody>
+          <a:bodyPr wrap="square">
+            <a:spAutoFit/>
+          </a:bodyPr>
+          <a:lstStyle/>
+          <a:p>
+            <a:pPr algn="ctr"/>
+            <a:r>
+              <a:rPr lang="en-US" sz="1800" dirty="0" smtClean="0"/>
+              <a:t>box</a:t>
+            </a:r>
+            <a:endParaRPr lang="en-US" sz="1800" dirty="0"/>
+          </a:p>
+        </p:txBody>
+      </p:sp>
+      <p:sp>
+        <p:nvSpPr>
+          <p:cNvPr id="9" name="Rectangle 8"/>
+          <p:cNvSpPr/>
+          <p:nvPr/>
+        </p:nvSpPr>
+        <p:spPr>
+          <a:xfrm>
+            <a:off x="6989274" y="3924718"/>
+            <a:ext cx="985442" cy="307777"/>
+          </a:xfrm>
+          <a:prstGeom prst="rect">
+            <a:avLst/>
+          </a:prstGeom>
+        </p:spPr>
+        <p:txBody>
+          <a:bodyPr wrap="square">
+            <a:spAutoFit/>
+          </a:bodyPr>
+          <a:lstStyle/>
+          <a:p>
+            <a:pPr algn="ctr"/>
+            <a:r>
+              <a:rPr lang="en-US" dirty="0" smtClean="0"/>
+              <a:t>database</a:t>
+            </a:r>
+            <a:endParaRPr lang="en-US" dirty="0"/>
+          </a:p>
+        </p:txBody>
+      </p:sp>
+      <p:sp>
+        <p:nvSpPr>
+          <p:cNvPr id="10" name="Rectangle 9"/>
+          <p:cNvSpPr/>
+          <p:nvPr/>
+        </p:nvSpPr>
+        <p:spPr>
+          <a:xfrm>
+            <a:off x="6900551" y="1930480"/>
+            <a:ext cx="985442" cy="369332"/>
+          </a:xfrm>
+          <a:prstGeom prst="rect">
+            <a:avLst/>
+          </a:prstGeom>
+          <a:ln>
+            <a:solidFill>
+              <a:schemeClr val="tx1"/>
+            </a:solidFill>
+          </a:ln>
+        </p:spPr>
+        <p:txBody>
+          <a:bodyPr wrap="square">
+            <a:spAutoFit/>
+          </a:bodyPr>
+          <a:lstStyle/>
+          <a:p>
+            <a:pPr algn="ctr"/>
+            <a:r>
+              <a:rPr lang="en-US" sz="1800" dirty="0" smtClean="0"/>
+              <a:t>dv</a:t>
+            </a:r>
+            <a:endParaRPr lang="en-US" sz="1800" dirty="0"/>
+          </a:p>
+        </p:txBody>
+      </p:sp>
+      <p:pic>
+        <p:nvPicPr>
+          <p:cNvPr id="12" name="Picture 11"/>
+          <p:cNvPicPr>
+            <a:picLocks noChangeAspect="1"/>
+          </p:cNvPicPr>
+          <p:nvPr/>
+        </p:nvPicPr>
+        <p:blipFill>
+          <a:blip r:embed="rId2">
+            <a:extLst>
+              <a:ext uri="{28A0092B-C50C-407E-A947-70E740481C1C}">
+                <a14:useLocalDpi xmlns:a14="http://schemas.microsoft.com/office/drawing/2010/main" val="0"/>
+              </a:ext>
+            </a:extLst>
+          </a:blip>
+          <a:stretch>
+            <a:fillRect/>
+          </a:stretch>
+        </p:blipFill>
+        <p:spPr>
+          <a:xfrm>
+            <a:off x="7008608" y="675132"/>
+            <a:ext cx="731520" cy="707136"/>
+          </a:xfrm>
+          <a:prstGeom prst="rect">
+            <a:avLst/>
+          </a:prstGeom>
+        </p:spPr>
+      </p:pic>
+      <p:cxnSp>
+        <p:nvCxnSpPr>
+          <p:cNvPr id="16" name="Straight Connector 15"/>
+          <p:cNvCxnSpPr>
+            <a:stCxn id="10" idx="0"/>
+            <a:endCxn id="12" idx="2"/>
+          </p:cNvCxnSpPr>
+          <p:nvPr/>
+        </p:nvCxnSpPr>
+        <p:spPr>
+          <a:xfrm flipH="1" flipV="1">
+            <a:off x="7374368" y="1382268"/>
+            <a:ext cx="18904" cy="548212"/>
+          </a:xfrm>
+          <a:prstGeom prst="line">
+            <a:avLst/>
+          </a:prstGeom>
+          <a:ln>
+            <a:solidFill>
+              <a:schemeClr val="tx1"/>
+            </a:solidFill>
+            <a:tailEnd type="triangle" w="lg"/>
+          </a:ln>
+        </p:spPr>
+        <p:style>
+          <a:lnRef idx="1">
+            <a:schemeClr val="accent1"/>
+          </a:lnRef>
+          <a:fillRef idx="0">
+            <a:schemeClr val="accent1"/>
+          </a:fillRef>
+          <a:effectRef idx="0">
+            <a:schemeClr val="accent1"/>
+          </a:effectRef>
+          <a:fontRef idx="minor">
+            <a:schemeClr val="tx1"/>
+          </a:fontRef>
+        </p:style>
+      </p:cxnSp>
+      <p:sp>
+        <p:nvSpPr>
+          <p:cNvPr id="20" name="Rectangle 19"/>
+          <p:cNvSpPr/>
+          <p:nvPr/>
+        </p:nvSpPr>
+        <p:spPr>
+          <a:xfrm>
+            <a:off x="7393272" y="1513643"/>
+            <a:ext cx="1394718" cy="307777"/>
+          </a:xfrm>
+          <a:prstGeom prst="rect">
+            <a:avLst/>
+          </a:prstGeom>
+        </p:spPr>
+        <p:txBody>
+          <a:bodyPr wrap="square">
+            <a:spAutoFit/>
+          </a:bodyPr>
+          <a:lstStyle/>
+          <a:p>
+            <a:r>
+              <a:rPr lang="en-US" i="1" dirty="0" smtClean="0"/>
+              <a:t>visualization</a:t>
+            </a:r>
+            <a:endParaRPr lang="en-US" i="1" dirty="0"/>
+          </a:p>
+        </p:txBody>
+      </p:sp>
+      <p:cxnSp>
+        <p:nvCxnSpPr>
+          <p:cNvPr id="21" name="Straight Connector 20"/>
+          <p:cNvCxnSpPr>
+            <a:stCxn id="8" idx="2"/>
+            <a:endCxn id="9" idx="0"/>
+          </p:cNvCxnSpPr>
+          <p:nvPr/>
+        </p:nvCxnSpPr>
+        <p:spPr>
+          <a:xfrm>
+            <a:off x="7464130" y="3273067"/>
+            <a:ext cx="17865" cy="651651"/>
+          </a:xfrm>
+          <a:prstGeom prst="line">
+            <a:avLst/>
+          </a:prstGeom>
+          <a:ln>
+            <a:solidFill>
+              <a:schemeClr val="tx1"/>
+            </a:solidFill>
+            <a:tailEnd type="triangle" w="lg"/>
+          </a:ln>
+        </p:spPr>
+        <p:style>
+          <a:lnRef idx="1">
+            <a:schemeClr val="accent1"/>
+          </a:lnRef>
+          <a:fillRef idx="0">
+            <a:schemeClr val="accent1"/>
+          </a:fillRef>
+          <a:effectRef idx="0">
+            <a:schemeClr val="accent1"/>
+          </a:effectRef>
+          <a:fontRef idx="minor">
+            <a:schemeClr val="tx1"/>
+          </a:fontRef>
+        </p:style>
+      </p:cxnSp>
+      <p:sp>
+        <p:nvSpPr>
+          <p:cNvPr id="22" name="Rectangle 21"/>
+          <p:cNvSpPr/>
+          <p:nvPr/>
+        </p:nvSpPr>
+        <p:spPr>
+          <a:xfrm>
+            <a:off x="7456908" y="3428609"/>
+            <a:ext cx="1394718" cy="307777"/>
+          </a:xfrm>
+          <a:prstGeom prst="rect">
+            <a:avLst/>
+          </a:prstGeom>
+        </p:spPr>
+        <p:txBody>
+          <a:bodyPr wrap="square">
+            <a:spAutoFit/>
+          </a:bodyPr>
+          <a:lstStyle/>
+          <a:p>
+            <a:r>
+              <a:rPr lang="en-US" i="1" dirty="0" smtClean="0"/>
+              <a:t>cron</a:t>
+            </a:r>
+            <a:endParaRPr lang="en-US" i="1" dirty="0"/>
+          </a:p>
+        </p:txBody>
+      </p:sp>
+      <p:sp>
+        <p:nvSpPr>
+          <p:cNvPr id="26" name="Rectangle 25"/>
+          <p:cNvSpPr/>
+          <p:nvPr/>
+        </p:nvSpPr>
+        <p:spPr>
+          <a:xfrm>
+            <a:off x="7008608" y="4333683"/>
+            <a:ext cx="985442" cy="307777"/>
+          </a:xfrm>
+          <a:prstGeom prst="rect">
+            <a:avLst/>
+          </a:prstGeom>
+        </p:spPr>
+        <p:txBody>
+          <a:bodyPr wrap="square">
+            <a:spAutoFit/>
+          </a:bodyPr>
+          <a:lstStyle/>
+          <a:p>
+            <a:pPr algn="ctr"/>
+            <a:r>
+              <a:rPr lang="en-US" dirty="0" err="1" smtClean="0"/>
+              <a:t>mlab.com</a:t>
+            </a:r>
+            <a:endParaRPr lang="en-US" dirty="0"/>
+          </a:p>
+        </p:txBody>
+      </p:sp>
     </p:spTree>
     <p:extLst>
       <p:ext uri="{BB962C8B-B14F-4D97-AF65-F5344CB8AC3E}">
-        <p14:creationId xmlns:p14="http://schemas.microsoft.com/office/powerpoint/2010/main" val="3862612271"/>
+        <p14:creationId xmlns:p14="http://schemas.microsoft.com/office/powerpoint/2010/main" val="1000340373"/>
       </p:ext>
     </p:extLst>
   </p:cSld>
   <p:clrMapOvr>
     <a:masterClrMapping/>
   </p:clrMapOvr>
+  <p:timing>
+    <p:tnLst>
+      <p:par>
+        <p:cTn xmlns:p14="http://schemas.microsoft.com/office/powerpoint/2010/main" id="1" dur="indefinite" restart="never" nodeType="tmRoot"/>
+      </p:par>
+    </p:tnLst>
+  </p:timing>
 </p:sld>
 </file>
 
@@ -5739,7 +5840,7 @@
   <a:extraClrSchemeLst/>
   <a:extLst>
     <a:ext uri="{05A4C25C-085E-4340-85A3-A5531E510DB2}">
-      <thm15:themeFamily xmlns:thm15="http://schemas.microsoft.com/office/thememl/2012/main" xmlns="" name="ConcurCorporateTemplate2013_Helvetica_16x9" id="{A09BE1D0-94B0-44B7-9420-2ECF7BB955CC}" vid="{59E5CBDF-7240-4762-BDFB-AAFD424E1AE9}"/>
+      <thm15:themeFamily xmlns="" xmlns:thm15="http://schemas.microsoft.com/office/thememl/2012/main" name="ConcurCorporateTemplate2013_Helvetica_16x9" id="{A09BE1D0-94B0-44B7-9420-2ECF7BB955CC}" vid="{59E5CBDF-7240-4762-BDFB-AAFD424E1AE9}"/>
     </a:ext>
   </a:extLst>
 </a:theme>
